--- a/xz_prosem.pptx
+++ b/xz_prosem.pptx
@@ -26,14 +26,14 @@
     <p:sldId id="275" r:id="rId17"/>
     <p:sldId id="276" r:id="rId18"/>
     <p:sldId id="277" r:id="rId19"/>
-    <p:sldId id="278" r:id="rId20"/>
-    <p:sldId id="279" r:id="rId21"/>
-    <p:sldId id="280" r:id="rId22"/>
-    <p:sldId id="281" r:id="rId23"/>
-    <p:sldId id="282" r:id="rId24"/>
-    <p:sldId id="266" r:id="rId25"/>
-    <p:sldId id="283" r:id="rId26"/>
-    <p:sldId id="284" r:id="rId27"/>
+    <p:sldId id="279" r:id="rId20"/>
+    <p:sldId id="266" r:id="rId21"/>
+    <p:sldId id="283" r:id="rId22"/>
+    <p:sldId id="284" r:id="rId23"/>
+    <p:sldId id="278" r:id="rId24"/>
+    <p:sldId id="280" r:id="rId25"/>
+    <p:sldId id="281" r:id="rId26"/>
+    <p:sldId id="282" r:id="rId27"/>
   </p:sldIdLst>
   <p:sldSz cx="12192000" cy="6858000"/>
   <p:notesSz cx="6858000" cy="9144000"/>
@@ -4141,7 +4141,7 @@
                 <a:srgbClr val="002060"/>
               </a:solidFill>
             </a:rPr>
-            <a:t>Jan 2021</a:t>
+            <a:t>Januar 2021</a:t>
           </a:r>
           <a:br>
             <a:rPr lang="de-DE" b="1" dirty="0">
@@ -4446,11 +4446,11 @@
       <dgm:prSet presAssocID="{401F69F0-E499-CD4E-A50D-A7C43B68DD11}" presName="space" presStyleCnt="0"/>
       <dgm:spPr/>
     </dgm:pt>
-    <dgm:pt modelId="{532064AB-9516-094C-861D-0FEFF7735B16}" type="pres">
+    <dgm:pt modelId="{83725203-0FBD-194A-8EC6-A7DED05D99F5}" type="pres">
       <dgm:prSet presAssocID="{1D66A474-8A7F-AA4F-B6BD-CA16CCCD4C79}" presName="compositeA" presStyleCnt="0"/>
       <dgm:spPr/>
     </dgm:pt>
-    <dgm:pt modelId="{AA242F23-1AF7-B141-AA01-2AFFC3B75720}" type="pres">
+    <dgm:pt modelId="{03C8DE5D-364B-A940-919F-A5BD611E0426}" type="pres">
       <dgm:prSet presAssocID="{1D66A474-8A7F-AA4F-B6BD-CA16CCCD4C79}" presName="textA" presStyleLbl="revTx" presStyleIdx="2" presStyleCnt="6">
         <dgm:presLayoutVars>
           <dgm:bulletEnabled val="1"/>
@@ -4458,11 +4458,11 @@
       </dgm:prSet>
       <dgm:spPr/>
     </dgm:pt>
-    <dgm:pt modelId="{15AE5202-A3CE-9E4A-AD7E-DBEFE4B59487}" type="pres">
+    <dgm:pt modelId="{03FE9F8D-B850-F842-880F-09FA1231549B}" type="pres">
       <dgm:prSet presAssocID="{1D66A474-8A7F-AA4F-B6BD-CA16CCCD4C79}" presName="circleA" presStyleLbl="node1" presStyleIdx="2" presStyleCnt="6"/>
       <dgm:spPr/>
     </dgm:pt>
-    <dgm:pt modelId="{F3803558-54F0-8644-A660-484C2D8ABCD1}" type="pres">
+    <dgm:pt modelId="{9AD134B3-C68B-334D-BE05-47D9EC3D3851}" type="pres">
       <dgm:prSet presAssocID="{1D66A474-8A7F-AA4F-B6BD-CA16CCCD4C79}" presName="spaceA" presStyleCnt="0"/>
       <dgm:spPr/>
     </dgm:pt>
@@ -4470,11 +4470,11 @@
       <dgm:prSet presAssocID="{ED5D10D4-8E35-6646-9392-179DCF2FEDE5}" presName="space" presStyleCnt="0"/>
       <dgm:spPr/>
     </dgm:pt>
-    <dgm:pt modelId="{7373F722-537D-644A-AD23-FAAE8FC4743E}" type="pres">
+    <dgm:pt modelId="{D4692AE7-5982-6F4B-8C45-E7DAEB1B7126}" type="pres">
       <dgm:prSet presAssocID="{121384FC-C977-0F45-AF29-BDCC4A93AEE4}" presName="compositeB" presStyleCnt="0"/>
       <dgm:spPr/>
     </dgm:pt>
-    <dgm:pt modelId="{8F7F2D0A-C10A-6E48-81D0-56112306FD30}" type="pres">
+    <dgm:pt modelId="{34DE6F53-3287-7A49-9669-CE624570CC23}" type="pres">
       <dgm:prSet presAssocID="{121384FC-C977-0F45-AF29-BDCC4A93AEE4}" presName="textB" presStyleLbl="revTx" presStyleIdx="3" presStyleCnt="6">
         <dgm:presLayoutVars>
           <dgm:bulletEnabled val="1"/>
@@ -4482,11 +4482,11 @@
       </dgm:prSet>
       <dgm:spPr/>
     </dgm:pt>
-    <dgm:pt modelId="{AC80C02D-28BB-F34E-9ED5-5789C199EE58}" type="pres">
+    <dgm:pt modelId="{4A3B8B7F-B3E6-034D-8DDD-6573BA370500}" type="pres">
       <dgm:prSet presAssocID="{121384FC-C977-0F45-AF29-BDCC4A93AEE4}" presName="circleB" presStyleLbl="node1" presStyleIdx="3" presStyleCnt="6"/>
       <dgm:spPr/>
     </dgm:pt>
-    <dgm:pt modelId="{D5612854-CD3A-6748-A17F-80727A76074D}" type="pres">
+    <dgm:pt modelId="{44319A09-AE56-5E4A-875D-9F75B7EE1F5A}" type="pres">
       <dgm:prSet presAssocID="{121384FC-C977-0F45-AF29-BDCC4A93AEE4}" presName="spaceB" presStyleCnt="0"/>
       <dgm:spPr/>
     </dgm:pt>
@@ -4540,50 +4540,50 @@
     </dgm:pt>
   </dgm:ptLst>
   <dgm:cxnLst>
+    <dgm:cxn modelId="{75BD7D09-F056-E841-A2E8-B8B572B5B62A}" type="presOf" srcId="{1D66A474-8A7F-AA4F-B6BD-CA16CCCD4C79}" destId="{03C8DE5D-364B-A940-919F-A5BD611E0426}" srcOrd="0" destOrd="0" presId="urn:microsoft.com/office/officeart/2005/8/layout/hProcess11"/>
     <dgm:cxn modelId="{E7130D16-9F90-6E40-97B7-5C46F09A0EAD}" srcId="{3D764EF5-DC5D-3947-B751-35DC2BA40409}" destId="{049ABC7E-3AF5-3049-8525-BE2D89F972AD}" srcOrd="5" destOrd="0" parTransId="{8776949D-577C-BE4C-9E8B-CA26B9C3A675}" sibTransId="{2506402F-FC90-8C42-9E7A-EE89A408F253}"/>
     <dgm:cxn modelId="{1EB8B02B-56ED-8147-A650-25BD84A3BDC9}" srcId="{3D764EF5-DC5D-3947-B751-35DC2BA40409}" destId="{121384FC-C977-0F45-AF29-BDCC4A93AEE4}" srcOrd="3" destOrd="0" parTransId="{69213EAB-1977-6A4C-8922-65B28B6F648A}" sibTransId="{E1B329EA-F82A-564A-B464-6E5E2A5057D2}"/>
     <dgm:cxn modelId="{A437322E-6589-AB48-AFF6-32E96DA70AE3}" srcId="{3D764EF5-DC5D-3947-B751-35DC2BA40409}" destId="{1D66A474-8A7F-AA4F-B6BD-CA16CCCD4C79}" srcOrd="2" destOrd="0" parTransId="{E528B67F-36B6-364F-8670-C0FDF1D74484}" sibTransId="{ED5D10D4-8E35-6646-9392-179DCF2FEDE5}"/>
-    <dgm:cxn modelId="{55F2F036-8590-AE4A-BBD5-971D3FD18088}" type="presOf" srcId="{121384FC-C977-0F45-AF29-BDCC4A93AEE4}" destId="{8F7F2D0A-C10A-6E48-81D0-56112306FD30}" srcOrd="0" destOrd="0" presId="urn:microsoft.com/office/officeart/2005/8/layout/hProcess11"/>
+    <dgm:cxn modelId="{515ADD31-465A-ED40-87F4-573E78BE0293}" type="presOf" srcId="{121384FC-C977-0F45-AF29-BDCC4A93AEE4}" destId="{34DE6F53-3287-7A49-9669-CE624570CC23}" srcOrd="0" destOrd="0" presId="urn:microsoft.com/office/officeart/2005/8/layout/hProcess11"/>
     <dgm:cxn modelId="{EEDDA062-72FF-6E47-8568-15E2AF695099}" srcId="{3D764EF5-DC5D-3947-B751-35DC2BA40409}" destId="{1AC12ABF-AB9B-FC40-AADF-D3242345942E}" srcOrd="1" destOrd="0" parTransId="{EE0DFEA3-0639-9943-AACB-75BD8A321688}" sibTransId="{401F69F0-E499-CD4E-A50D-A7C43B68DD11}"/>
-    <dgm:cxn modelId="{3D911565-3619-0C46-AFF2-6A276C1ACFE2}" type="presOf" srcId="{19761EC3-19D6-ED48-AF8A-3CB015C43BAB}" destId="{12B66527-5E55-874E-B110-AC65986D8C48}" srcOrd="0" destOrd="0" presId="urn:microsoft.com/office/officeart/2005/8/layout/hProcess11"/>
-    <dgm:cxn modelId="{A5B6B465-4C82-F144-80BD-871F8B3735F5}" type="presOf" srcId="{049ABC7E-3AF5-3049-8525-BE2D89F972AD}" destId="{A58D67F9-BC7E-2443-97DB-8D44BB4F6DD1}" srcOrd="0" destOrd="0" presId="urn:microsoft.com/office/officeart/2005/8/layout/hProcess11"/>
     <dgm:cxn modelId="{639B2170-94FE-F046-9AE0-E370ACB883BE}" srcId="{3D764EF5-DC5D-3947-B751-35DC2BA40409}" destId="{19761EC3-19D6-ED48-AF8A-3CB015C43BAB}" srcOrd="4" destOrd="0" parTransId="{7A6FAD74-86D1-4540-A3BA-BC6176646668}" sibTransId="{77291020-BD66-7F4B-9F2F-DE513359485C}"/>
-    <dgm:cxn modelId="{4BFD9298-2791-4C49-A84D-B1876FAD4615}" type="presOf" srcId="{1D66A474-8A7F-AA4F-B6BD-CA16CCCD4C79}" destId="{AA242F23-1AF7-B141-AA01-2AFFC3B75720}" srcOrd="0" destOrd="0" presId="urn:microsoft.com/office/officeart/2005/8/layout/hProcess11"/>
+    <dgm:cxn modelId="{E4B2BF8C-8C5D-324E-AB00-A8C26775D7E3}" type="presOf" srcId="{1AC12ABF-AB9B-FC40-AADF-D3242345942E}" destId="{5F63EF0C-52A2-0346-96DD-79D2D1C3EEE1}" srcOrd="0" destOrd="0" presId="urn:microsoft.com/office/officeart/2005/8/layout/hProcess11"/>
     <dgm:cxn modelId="{E2B452A7-C8B4-1A45-9E39-65F64C441F7D}" type="presOf" srcId="{3D764EF5-DC5D-3947-B751-35DC2BA40409}" destId="{681C3787-ED17-A342-9938-2F5ED8B445BE}" srcOrd="0" destOrd="0" presId="urn:microsoft.com/office/officeart/2005/8/layout/hProcess11"/>
-    <dgm:cxn modelId="{2AC849C6-ABAF-8B48-862A-52C307BDA6B7}" type="presOf" srcId="{1AC12ABF-AB9B-FC40-AADF-D3242345942E}" destId="{5F63EF0C-52A2-0346-96DD-79D2D1C3EEE1}" srcOrd="0" destOrd="0" presId="urn:microsoft.com/office/officeart/2005/8/layout/hProcess11"/>
-    <dgm:cxn modelId="{00F73AC8-02D3-2042-AAD9-687D58EB82B5}" type="presOf" srcId="{AFBE9CBF-389E-DD4E-933C-2B558C896398}" destId="{AF45F92A-9A87-A649-87F1-544F2E5B01DB}" srcOrd="0" destOrd="0" presId="urn:microsoft.com/office/officeart/2005/8/layout/hProcess11"/>
+    <dgm:cxn modelId="{445063AA-CAC8-8C47-AC1A-EEDA5446FF2C}" type="presOf" srcId="{AFBE9CBF-389E-DD4E-933C-2B558C896398}" destId="{AF45F92A-9A87-A649-87F1-544F2E5B01DB}" srcOrd="0" destOrd="0" presId="urn:microsoft.com/office/officeart/2005/8/layout/hProcess11"/>
+    <dgm:cxn modelId="{DA4706B3-720C-BA45-BEDC-1654C1BAB92F}" type="presOf" srcId="{049ABC7E-3AF5-3049-8525-BE2D89F972AD}" destId="{A58D67F9-BC7E-2443-97DB-8D44BB4F6DD1}" srcOrd="0" destOrd="0" presId="urn:microsoft.com/office/officeart/2005/8/layout/hProcess11"/>
+    <dgm:cxn modelId="{8B8A1CC9-10ED-4349-8572-5970CA789A68}" type="presOf" srcId="{19761EC3-19D6-ED48-AF8A-3CB015C43BAB}" destId="{12B66527-5E55-874E-B110-AC65986D8C48}" srcOrd="0" destOrd="0" presId="urn:microsoft.com/office/officeart/2005/8/layout/hProcess11"/>
     <dgm:cxn modelId="{1BC42DE5-8A67-854C-9A2C-9058C12A1622}" srcId="{3D764EF5-DC5D-3947-B751-35DC2BA40409}" destId="{AFBE9CBF-389E-DD4E-933C-2B558C896398}" srcOrd="0" destOrd="0" parTransId="{4022166E-C277-9A4F-A22B-32AE2691326F}" sibTransId="{F4DFDE65-7263-5249-AB6C-D00459569329}"/>
-    <dgm:cxn modelId="{7CD167B5-A60E-D248-9C57-4985D3A05B6F}" type="presParOf" srcId="{681C3787-ED17-A342-9938-2F5ED8B445BE}" destId="{AA2F3BDD-65C2-F84E-9F38-B0A55466D707}" srcOrd="0" destOrd="0" presId="urn:microsoft.com/office/officeart/2005/8/layout/hProcess11"/>
-    <dgm:cxn modelId="{5E7C2A57-383D-CE46-9227-6F0AF1922F18}" type="presParOf" srcId="{681C3787-ED17-A342-9938-2F5ED8B445BE}" destId="{C7C56DA5-CC68-4547-B316-EE489BCBCF04}" srcOrd="1" destOrd="0" presId="urn:microsoft.com/office/officeart/2005/8/layout/hProcess11"/>
-    <dgm:cxn modelId="{A6E00902-386A-CB48-84A8-3BF836A14A7E}" type="presParOf" srcId="{C7C56DA5-CC68-4547-B316-EE489BCBCF04}" destId="{8FAB10B7-2DFA-B047-B3AF-7FC767C147B0}" srcOrd="0" destOrd="0" presId="urn:microsoft.com/office/officeart/2005/8/layout/hProcess11"/>
-    <dgm:cxn modelId="{FB71A2B4-7A19-414A-A78A-DDF3D909D68A}" type="presParOf" srcId="{8FAB10B7-2DFA-B047-B3AF-7FC767C147B0}" destId="{AF45F92A-9A87-A649-87F1-544F2E5B01DB}" srcOrd="0" destOrd="0" presId="urn:microsoft.com/office/officeart/2005/8/layout/hProcess11"/>
-    <dgm:cxn modelId="{B9A7FC3C-ACA0-964A-8573-E50A220EFE55}" type="presParOf" srcId="{8FAB10B7-2DFA-B047-B3AF-7FC767C147B0}" destId="{F62A56CE-26F2-9040-96FA-F2E86BA29A2A}" srcOrd="1" destOrd="0" presId="urn:microsoft.com/office/officeart/2005/8/layout/hProcess11"/>
-    <dgm:cxn modelId="{3D27A91C-CC0E-0B41-91B7-EBD884690390}" type="presParOf" srcId="{8FAB10B7-2DFA-B047-B3AF-7FC767C147B0}" destId="{BE9901ED-BE6D-F94D-B14F-4262EB996D29}" srcOrd="2" destOrd="0" presId="urn:microsoft.com/office/officeart/2005/8/layout/hProcess11"/>
-    <dgm:cxn modelId="{F2DEC11F-8F40-5F4C-8289-AA5D55A82BE6}" type="presParOf" srcId="{C7C56DA5-CC68-4547-B316-EE489BCBCF04}" destId="{8995A002-9546-5145-B721-F4B74F262938}" srcOrd="1" destOrd="0" presId="urn:microsoft.com/office/officeart/2005/8/layout/hProcess11"/>
-    <dgm:cxn modelId="{7534C57F-645B-954D-BCFF-C8D495A5119B}" type="presParOf" srcId="{C7C56DA5-CC68-4547-B316-EE489BCBCF04}" destId="{809E8C08-3783-E146-AAF6-96A1F1812372}" srcOrd="2" destOrd="0" presId="urn:microsoft.com/office/officeart/2005/8/layout/hProcess11"/>
-    <dgm:cxn modelId="{B7679EFC-ADD7-D54C-AF2F-E9B66E60A83D}" type="presParOf" srcId="{809E8C08-3783-E146-AAF6-96A1F1812372}" destId="{5F63EF0C-52A2-0346-96DD-79D2D1C3EEE1}" srcOrd="0" destOrd="0" presId="urn:microsoft.com/office/officeart/2005/8/layout/hProcess11"/>
-    <dgm:cxn modelId="{D7467F49-05A7-354E-B995-47C50D8D4E6B}" type="presParOf" srcId="{809E8C08-3783-E146-AAF6-96A1F1812372}" destId="{8AD7384B-5F78-3D42-B973-41A7BCAE8CB0}" srcOrd="1" destOrd="0" presId="urn:microsoft.com/office/officeart/2005/8/layout/hProcess11"/>
-    <dgm:cxn modelId="{5DF0A37D-A70F-004E-AD13-9757260D427C}" type="presParOf" srcId="{809E8C08-3783-E146-AAF6-96A1F1812372}" destId="{8B3AACCE-28DE-C64B-B5BB-69EAD6C42A54}" srcOrd="2" destOrd="0" presId="urn:microsoft.com/office/officeart/2005/8/layout/hProcess11"/>
-    <dgm:cxn modelId="{70368526-5311-CD44-A318-77FAF858B084}" type="presParOf" srcId="{C7C56DA5-CC68-4547-B316-EE489BCBCF04}" destId="{16B7F5E9-EC70-064C-8848-EE3CBFEEB333}" srcOrd="3" destOrd="0" presId="urn:microsoft.com/office/officeart/2005/8/layout/hProcess11"/>
-    <dgm:cxn modelId="{BE4ABB79-4FEC-A240-821B-1AD2990426BC}" type="presParOf" srcId="{C7C56DA5-CC68-4547-B316-EE489BCBCF04}" destId="{532064AB-9516-094C-861D-0FEFF7735B16}" srcOrd="4" destOrd="0" presId="urn:microsoft.com/office/officeart/2005/8/layout/hProcess11"/>
-    <dgm:cxn modelId="{2A35CDA1-BC54-3F43-A177-B1038EAD696A}" type="presParOf" srcId="{532064AB-9516-094C-861D-0FEFF7735B16}" destId="{AA242F23-1AF7-B141-AA01-2AFFC3B75720}" srcOrd="0" destOrd="0" presId="urn:microsoft.com/office/officeart/2005/8/layout/hProcess11"/>
-    <dgm:cxn modelId="{ABE74729-70AD-5B45-AE63-36BC2377BF84}" type="presParOf" srcId="{532064AB-9516-094C-861D-0FEFF7735B16}" destId="{15AE5202-A3CE-9E4A-AD7E-DBEFE4B59487}" srcOrd="1" destOrd="0" presId="urn:microsoft.com/office/officeart/2005/8/layout/hProcess11"/>
-    <dgm:cxn modelId="{9BBEF427-0641-D94C-8771-F522FFDA1A88}" type="presParOf" srcId="{532064AB-9516-094C-861D-0FEFF7735B16}" destId="{F3803558-54F0-8644-A660-484C2D8ABCD1}" srcOrd="2" destOrd="0" presId="urn:microsoft.com/office/officeart/2005/8/layout/hProcess11"/>
-    <dgm:cxn modelId="{E629AE23-D29B-8E45-BDE2-ACE99BDB5E4A}" type="presParOf" srcId="{C7C56DA5-CC68-4547-B316-EE489BCBCF04}" destId="{AA12CD11-FED0-804B-BA49-1B2CD82215E3}" srcOrd="5" destOrd="0" presId="urn:microsoft.com/office/officeart/2005/8/layout/hProcess11"/>
-    <dgm:cxn modelId="{222E34D5-91D8-0945-A578-A57E28449271}" type="presParOf" srcId="{C7C56DA5-CC68-4547-B316-EE489BCBCF04}" destId="{7373F722-537D-644A-AD23-FAAE8FC4743E}" srcOrd="6" destOrd="0" presId="urn:microsoft.com/office/officeart/2005/8/layout/hProcess11"/>
-    <dgm:cxn modelId="{9603D439-8D39-C54C-A40A-09C1B96E3A9D}" type="presParOf" srcId="{7373F722-537D-644A-AD23-FAAE8FC4743E}" destId="{8F7F2D0A-C10A-6E48-81D0-56112306FD30}" srcOrd="0" destOrd="0" presId="urn:microsoft.com/office/officeart/2005/8/layout/hProcess11"/>
-    <dgm:cxn modelId="{645B55FD-A85A-DF49-BE54-AEF63CF182BD}" type="presParOf" srcId="{7373F722-537D-644A-AD23-FAAE8FC4743E}" destId="{AC80C02D-28BB-F34E-9ED5-5789C199EE58}" srcOrd="1" destOrd="0" presId="urn:microsoft.com/office/officeart/2005/8/layout/hProcess11"/>
-    <dgm:cxn modelId="{A7DFD220-6A8F-F44E-B3C8-6233CD05C864}" type="presParOf" srcId="{7373F722-537D-644A-AD23-FAAE8FC4743E}" destId="{D5612854-CD3A-6748-A17F-80727A76074D}" srcOrd="2" destOrd="0" presId="urn:microsoft.com/office/officeart/2005/8/layout/hProcess11"/>
-    <dgm:cxn modelId="{687DF4D8-9533-1642-90F2-4E2CF55E1469}" type="presParOf" srcId="{C7C56DA5-CC68-4547-B316-EE489BCBCF04}" destId="{214FC4C5-3D54-D244-B6C6-096E28D5FCD5}" srcOrd="7" destOrd="0" presId="urn:microsoft.com/office/officeart/2005/8/layout/hProcess11"/>
-    <dgm:cxn modelId="{87A52C5D-9953-034D-ACBB-4088E0926388}" type="presParOf" srcId="{C7C56DA5-CC68-4547-B316-EE489BCBCF04}" destId="{94073D17-2286-BC48-BB5C-CD0BF77F8913}" srcOrd="8" destOrd="0" presId="urn:microsoft.com/office/officeart/2005/8/layout/hProcess11"/>
-    <dgm:cxn modelId="{A6EDE786-4F18-934A-9063-6B0C053BB128}" type="presParOf" srcId="{94073D17-2286-BC48-BB5C-CD0BF77F8913}" destId="{12B66527-5E55-874E-B110-AC65986D8C48}" srcOrd="0" destOrd="0" presId="urn:microsoft.com/office/officeart/2005/8/layout/hProcess11"/>
-    <dgm:cxn modelId="{4E94AE43-1567-B44C-A1B1-B88F6BAEE112}" type="presParOf" srcId="{94073D17-2286-BC48-BB5C-CD0BF77F8913}" destId="{342B59CE-658B-A24B-A603-F57554B68700}" srcOrd="1" destOrd="0" presId="urn:microsoft.com/office/officeart/2005/8/layout/hProcess11"/>
-    <dgm:cxn modelId="{CEBE9CD7-3B3D-664E-9AA1-5B4C5AD78F80}" type="presParOf" srcId="{94073D17-2286-BC48-BB5C-CD0BF77F8913}" destId="{692FCBC6-62D2-984C-B4D2-F218AB955DDC}" srcOrd="2" destOrd="0" presId="urn:microsoft.com/office/officeart/2005/8/layout/hProcess11"/>
-    <dgm:cxn modelId="{CCBD1FD8-1C16-CB4E-846C-4C82692BF63F}" type="presParOf" srcId="{C7C56DA5-CC68-4547-B316-EE489BCBCF04}" destId="{E37D5758-7338-EB4B-9A4A-A0B929C6C8B5}" srcOrd="9" destOrd="0" presId="urn:microsoft.com/office/officeart/2005/8/layout/hProcess11"/>
-    <dgm:cxn modelId="{B1A62134-2321-BA41-9AB2-2C29A27AF9C5}" type="presParOf" srcId="{C7C56DA5-CC68-4547-B316-EE489BCBCF04}" destId="{7EC2E03A-984F-9348-AF76-13A94D27B42D}" srcOrd="10" destOrd="0" presId="urn:microsoft.com/office/officeart/2005/8/layout/hProcess11"/>
-    <dgm:cxn modelId="{DD002700-9519-FD45-9FA4-8541F8CDC022}" type="presParOf" srcId="{7EC2E03A-984F-9348-AF76-13A94D27B42D}" destId="{A58D67F9-BC7E-2443-97DB-8D44BB4F6DD1}" srcOrd="0" destOrd="0" presId="urn:microsoft.com/office/officeart/2005/8/layout/hProcess11"/>
-    <dgm:cxn modelId="{C0E003C9-AB10-FA41-AF27-E2D5B563EFB2}" type="presParOf" srcId="{7EC2E03A-984F-9348-AF76-13A94D27B42D}" destId="{5C3C9D26-1C17-0B41-B86C-A4336A128EC4}" srcOrd="1" destOrd="0" presId="urn:microsoft.com/office/officeart/2005/8/layout/hProcess11"/>
-    <dgm:cxn modelId="{33A58F9E-0D00-4049-89AE-23527BB2C62B}" type="presParOf" srcId="{7EC2E03A-984F-9348-AF76-13A94D27B42D}" destId="{2F384741-759D-7C49-A8EE-CF35DA8C2FB6}" srcOrd="2" destOrd="0" presId="urn:microsoft.com/office/officeart/2005/8/layout/hProcess11"/>
+    <dgm:cxn modelId="{9DA2E2E0-5239-E94F-AB36-64CF9C88BA08}" type="presParOf" srcId="{681C3787-ED17-A342-9938-2F5ED8B445BE}" destId="{AA2F3BDD-65C2-F84E-9F38-B0A55466D707}" srcOrd="0" destOrd="0" presId="urn:microsoft.com/office/officeart/2005/8/layout/hProcess11"/>
+    <dgm:cxn modelId="{EF0D6A83-59E1-BB48-9AE1-CFBC98E4BE19}" type="presParOf" srcId="{681C3787-ED17-A342-9938-2F5ED8B445BE}" destId="{C7C56DA5-CC68-4547-B316-EE489BCBCF04}" srcOrd="1" destOrd="0" presId="urn:microsoft.com/office/officeart/2005/8/layout/hProcess11"/>
+    <dgm:cxn modelId="{AF19B183-822D-4E4A-B2F6-0F936825A9A3}" type="presParOf" srcId="{C7C56DA5-CC68-4547-B316-EE489BCBCF04}" destId="{8FAB10B7-2DFA-B047-B3AF-7FC767C147B0}" srcOrd="0" destOrd="0" presId="urn:microsoft.com/office/officeart/2005/8/layout/hProcess11"/>
+    <dgm:cxn modelId="{216D9F9B-D096-014B-80A0-DBBAE5779AE6}" type="presParOf" srcId="{8FAB10B7-2DFA-B047-B3AF-7FC767C147B0}" destId="{AF45F92A-9A87-A649-87F1-544F2E5B01DB}" srcOrd="0" destOrd="0" presId="urn:microsoft.com/office/officeart/2005/8/layout/hProcess11"/>
+    <dgm:cxn modelId="{3A8E296F-1A6B-9444-B95A-D73A20DF0B3E}" type="presParOf" srcId="{8FAB10B7-2DFA-B047-B3AF-7FC767C147B0}" destId="{F62A56CE-26F2-9040-96FA-F2E86BA29A2A}" srcOrd="1" destOrd="0" presId="urn:microsoft.com/office/officeart/2005/8/layout/hProcess11"/>
+    <dgm:cxn modelId="{9EF03038-FA48-BB44-B61A-10567060B72F}" type="presParOf" srcId="{8FAB10B7-2DFA-B047-B3AF-7FC767C147B0}" destId="{BE9901ED-BE6D-F94D-B14F-4262EB996D29}" srcOrd="2" destOrd="0" presId="urn:microsoft.com/office/officeart/2005/8/layout/hProcess11"/>
+    <dgm:cxn modelId="{FBC96834-C9FF-964B-9A90-BD6E9BF6F8E5}" type="presParOf" srcId="{C7C56DA5-CC68-4547-B316-EE489BCBCF04}" destId="{8995A002-9546-5145-B721-F4B74F262938}" srcOrd="1" destOrd="0" presId="urn:microsoft.com/office/officeart/2005/8/layout/hProcess11"/>
+    <dgm:cxn modelId="{DA43BBB1-E59E-6A45-94F9-E6AC18EAD77D}" type="presParOf" srcId="{C7C56DA5-CC68-4547-B316-EE489BCBCF04}" destId="{809E8C08-3783-E146-AAF6-96A1F1812372}" srcOrd="2" destOrd="0" presId="urn:microsoft.com/office/officeart/2005/8/layout/hProcess11"/>
+    <dgm:cxn modelId="{5918CEC9-A8D2-EE4E-8DB9-D1D2B58B775A}" type="presParOf" srcId="{809E8C08-3783-E146-AAF6-96A1F1812372}" destId="{5F63EF0C-52A2-0346-96DD-79D2D1C3EEE1}" srcOrd="0" destOrd="0" presId="urn:microsoft.com/office/officeart/2005/8/layout/hProcess11"/>
+    <dgm:cxn modelId="{56815000-F207-D942-9D49-DA1EF2884A35}" type="presParOf" srcId="{809E8C08-3783-E146-AAF6-96A1F1812372}" destId="{8AD7384B-5F78-3D42-B973-41A7BCAE8CB0}" srcOrd="1" destOrd="0" presId="urn:microsoft.com/office/officeart/2005/8/layout/hProcess11"/>
+    <dgm:cxn modelId="{9B4969E0-9216-8E48-B4B3-D984C9D6944D}" type="presParOf" srcId="{809E8C08-3783-E146-AAF6-96A1F1812372}" destId="{8B3AACCE-28DE-C64B-B5BB-69EAD6C42A54}" srcOrd="2" destOrd="0" presId="urn:microsoft.com/office/officeart/2005/8/layout/hProcess11"/>
+    <dgm:cxn modelId="{21E68AD0-1320-3A4E-9CAB-A0DE36B1ED6F}" type="presParOf" srcId="{C7C56DA5-CC68-4547-B316-EE489BCBCF04}" destId="{16B7F5E9-EC70-064C-8848-EE3CBFEEB333}" srcOrd="3" destOrd="0" presId="urn:microsoft.com/office/officeart/2005/8/layout/hProcess11"/>
+    <dgm:cxn modelId="{719CC36C-5990-FA43-9624-9203478958F7}" type="presParOf" srcId="{C7C56DA5-CC68-4547-B316-EE489BCBCF04}" destId="{83725203-0FBD-194A-8EC6-A7DED05D99F5}" srcOrd="4" destOrd="0" presId="urn:microsoft.com/office/officeart/2005/8/layout/hProcess11"/>
+    <dgm:cxn modelId="{0B44CF0F-3676-0849-A395-071BFE33CC96}" type="presParOf" srcId="{83725203-0FBD-194A-8EC6-A7DED05D99F5}" destId="{03C8DE5D-364B-A940-919F-A5BD611E0426}" srcOrd="0" destOrd="0" presId="urn:microsoft.com/office/officeart/2005/8/layout/hProcess11"/>
+    <dgm:cxn modelId="{A812EF63-CC5C-9D45-80EE-22E45368ED1B}" type="presParOf" srcId="{83725203-0FBD-194A-8EC6-A7DED05D99F5}" destId="{03FE9F8D-B850-F842-880F-09FA1231549B}" srcOrd="1" destOrd="0" presId="urn:microsoft.com/office/officeart/2005/8/layout/hProcess11"/>
+    <dgm:cxn modelId="{77A49397-DBC7-9242-BA60-892E7C2E9710}" type="presParOf" srcId="{83725203-0FBD-194A-8EC6-A7DED05D99F5}" destId="{9AD134B3-C68B-334D-BE05-47D9EC3D3851}" srcOrd="2" destOrd="0" presId="urn:microsoft.com/office/officeart/2005/8/layout/hProcess11"/>
+    <dgm:cxn modelId="{8058D1D0-AC2D-E24E-A5A3-8CE921C63BA3}" type="presParOf" srcId="{C7C56DA5-CC68-4547-B316-EE489BCBCF04}" destId="{AA12CD11-FED0-804B-BA49-1B2CD82215E3}" srcOrd="5" destOrd="0" presId="urn:microsoft.com/office/officeart/2005/8/layout/hProcess11"/>
+    <dgm:cxn modelId="{C605A418-A8A4-5249-B811-83EF94F87AB0}" type="presParOf" srcId="{C7C56DA5-CC68-4547-B316-EE489BCBCF04}" destId="{D4692AE7-5982-6F4B-8C45-E7DAEB1B7126}" srcOrd="6" destOrd="0" presId="urn:microsoft.com/office/officeart/2005/8/layout/hProcess11"/>
+    <dgm:cxn modelId="{C2CB0687-7F18-EA49-8118-B884FCB70C1A}" type="presParOf" srcId="{D4692AE7-5982-6F4B-8C45-E7DAEB1B7126}" destId="{34DE6F53-3287-7A49-9669-CE624570CC23}" srcOrd="0" destOrd="0" presId="urn:microsoft.com/office/officeart/2005/8/layout/hProcess11"/>
+    <dgm:cxn modelId="{908B8037-5DCD-BE40-8E9C-0E3EFFE8B989}" type="presParOf" srcId="{D4692AE7-5982-6F4B-8C45-E7DAEB1B7126}" destId="{4A3B8B7F-B3E6-034D-8DDD-6573BA370500}" srcOrd="1" destOrd="0" presId="urn:microsoft.com/office/officeart/2005/8/layout/hProcess11"/>
+    <dgm:cxn modelId="{14D3783D-7845-1D41-A4DB-8A984A6D6AD7}" type="presParOf" srcId="{D4692AE7-5982-6F4B-8C45-E7DAEB1B7126}" destId="{44319A09-AE56-5E4A-875D-9F75B7EE1F5A}" srcOrd="2" destOrd="0" presId="urn:microsoft.com/office/officeart/2005/8/layout/hProcess11"/>
+    <dgm:cxn modelId="{8BCA8BEB-CB81-8C4D-87F7-F6E219E9D01E}" type="presParOf" srcId="{C7C56DA5-CC68-4547-B316-EE489BCBCF04}" destId="{214FC4C5-3D54-D244-B6C6-096E28D5FCD5}" srcOrd="7" destOrd="0" presId="urn:microsoft.com/office/officeart/2005/8/layout/hProcess11"/>
+    <dgm:cxn modelId="{D9CD5635-40D7-FE45-BE53-5B46F45CFAD8}" type="presParOf" srcId="{C7C56DA5-CC68-4547-B316-EE489BCBCF04}" destId="{94073D17-2286-BC48-BB5C-CD0BF77F8913}" srcOrd="8" destOrd="0" presId="urn:microsoft.com/office/officeart/2005/8/layout/hProcess11"/>
+    <dgm:cxn modelId="{1F1240FA-C92E-C545-B9C6-C6880D8BEA8E}" type="presParOf" srcId="{94073D17-2286-BC48-BB5C-CD0BF77F8913}" destId="{12B66527-5E55-874E-B110-AC65986D8C48}" srcOrd="0" destOrd="0" presId="urn:microsoft.com/office/officeart/2005/8/layout/hProcess11"/>
+    <dgm:cxn modelId="{88274035-7410-DD48-928B-BF9C36676F40}" type="presParOf" srcId="{94073D17-2286-BC48-BB5C-CD0BF77F8913}" destId="{342B59CE-658B-A24B-A603-F57554B68700}" srcOrd="1" destOrd="0" presId="urn:microsoft.com/office/officeart/2005/8/layout/hProcess11"/>
+    <dgm:cxn modelId="{F9D3BB48-DA74-C446-9C3F-08B924ECA73E}" type="presParOf" srcId="{94073D17-2286-BC48-BB5C-CD0BF77F8913}" destId="{692FCBC6-62D2-984C-B4D2-F218AB955DDC}" srcOrd="2" destOrd="0" presId="urn:microsoft.com/office/officeart/2005/8/layout/hProcess11"/>
+    <dgm:cxn modelId="{C809C8F7-1ADF-1149-9B69-4A899C87CD5F}" type="presParOf" srcId="{C7C56DA5-CC68-4547-B316-EE489BCBCF04}" destId="{E37D5758-7338-EB4B-9A4A-A0B929C6C8B5}" srcOrd="9" destOrd="0" presId="urn:microsoft.com/office/officeart/2005/8/layout/hProcess11"/>
+    <dgm:cxn modelId="{3E9D319C-A521-BC49-8253-EDB9748DCF52}" type="presParOf" srcId="{C7C56DA5-CC68-4547-B316-EE489BCBCF04}" destId="{7EC2E03A-984F-9348-AF76-13A94D27B42D}" srcOrd="10" destOrd="0" presId="urn:microsoft.com/office/officeart/2005/8/layout/hProcess11"/>
+    <dgm:cxn modelId="{1193A092-61E0-6641-8C42-1C6ED3C33DB1}" type="presParOf" srcId="{7EC2E03A-984F-9348-AF76-13A94D27B42D}" destId="{A58D67F9-BC7E-2443-97DB-8D44BB4F6DD1}" srcOrd="0" destOrd="0" presId="urn:microsoft.com/office/officeart/2005/8/layout/hProcess11"/>
+    <dgm:cxn modelId="{CDA1DCD2-7BA3-524F-A44F-63B0300A9F56}" type="presParOf" srcId="{7EC2E03A-984F-9348-AF76-13A94D27B42D}" destId="{5C3C9D26-1C17-0B41-B86C-A4336A128EC4}" srcOrd="1" destOrd="0" presId="urn:microsoft.com/office/officeart/2005/8/layout/hProcess11"/>
+    <dgm:cxn modelId="{7DC599C7-131B-C647-BE38-22B008A3B751}" type="presParOf" srcId="{7EC2E03A-984F-9348-AF76-13A94D27B42D}" destId="{2F384741-759D-7C49-A8EE-CF35DA8C2FB6}" srcOrd="2" destOrd="0" presId="urn:microsoft.com/office/officeart/2005/8/layout/hProcess11"/>
   </dgm:cxnLst>
   <dgm:bg/>
   <dgm:whole/>
@@ -6860,7 +6860,7 @@
                 <a:srgbClr val="002060"/>
               </a:solidFill>
             </a:rPr>
-            <a:t>Jan 2021</a:t>
+            <a:t>Januar 2021</a:t>
           </a:r>
           <a:br>
             <a:rPr lang="de-DE" sz="1400" b="1" kern="1200" dirty="0">
@@ -6930,7 +6930,7 @@
         </a:fontRef>
       </dsp:style>
     </dsp:sp>
-    <dsp:sp modelId="{AA242F23-1AF7-B141-AA01-2AFFC3B75720}">
+    <dsp:sp modelId="{03C8DE5D-364B-A940-919F-A5BD611E0426}">
       <dsp:nvSpPr>
         <dsp:cNvPr id="0" name=""/>
         <dsp:cNvSpPr/>
@@ -7005,7 +7005,7 @@
         <a:ext cx="1522782" cy="1737994"/>
       </dsp:txXfrm>
     </dsp:sp>
-    <dsp:sp modelId="{15AE5202-A3CE-9E4A-AD7E-DBEFE4B59487}">
+    <dsp:sp modelId="{03FE9F8D-B850-F842-880F-09FA1231549B}">
       <dsp:nvSpPr>
         <dsp:cNvPr id="0" name=""/>
         <dsp:cNvSpPr/>
@@ -7055,7 +7055,7 @@
         </a:fontRef>
       </dsp:style>
     </dsp:sp>
-    <dsp:sp modelId="{8F7F2D0A-C10A-6E48-81D0-56112306FD30}">
+    <dsp:sp modelId="{34DE6F53-3287-7A49-9669-CE624570CC23}">
       <dsp:nvSpPr>
         <dsp:cNvPr id="0" name=""/>
         <dsp:cNvSpPr/>
@@ -7130,7 +7130,7 @@
         <a:ext cx="1522782" cy="1737994"/>
       </dsp:txXfrm>
     </dsp:sp>
-    <dsp:sp modelId="{AC80C02D-28BB-F34E-9ED5-5789C199EE58}">
+    <dsp:sp modelId="{4A3B8B7F-B3E6-034D-8DDD-6573BA370500}">
       <dsp:nvSpPr>
         <dsp:cNvPr id="0" name=""/>
         <dsp:cNvSpPr/>
@@ -13569,7 +13569,7 @@
           <a:p>
             <a:fld id="{EB633BB1-976E-4B42-9F18-F0192CA2DF64}" type="datetimeFigureOut">
               <a:rPr lang="de-DE" smtClean="0"/>
-              <a:t>04.06.24</a:t>
+              <a:t>05.06.24</a:t>
             </a:fld>
             <a:endParaRPr lang="de-DE"/>
           </a:p>
@@ -27600,7 +27600,7 @@
             <a:spLocks noGrp="1"/>
           </p:cNvSpPr>
           <p:nvPr>
-            <p:ph sz="quarter" idx="10"/>
+            <p:ph sz="quarter" idx="14"/>
           </p:nvPr>
         </p:nvSpPr>
         <p:spPr/>
@@ -27759,6 +27759,33 @@
           </a:p>
         </p:txBody>
       </p:sp>
+      <p:pic>
+        <p:nvPicPr>
+          <p:cNvPr id="4" name="Bildplatzhalter 8">
+            <a:extLst>
+              <a:ext uri="{FF2B5EF4-FFF2-40B4-BE49-F238E27FC236}">
+                <a16:creationId xmlns:a16="http://schemas.microsoft.com/office/drawing/2014/main" id="{98DDFF5F-214C-337F-0CD0-380E2336F628}"/>
+              </a:ext>
+            </a:extLst>
+          </p:cNvPr>
+          <p:cNvPicPr>
+            <a:picLocks noGrp="1" noChangeAspect="1"/>
+          </p:cNvPicPr>
+          <p:nvPr>
+            <p:ph type="pic" sz="quarter" idx="13"/>
+          </p:nvPr>
+        </p:nvPicPr>
+        <p:blipFill rotWithShape="1">
+          <a:blip r:embed="rId2"/>
+          <a:srcRect l="-32055" r="-32055"/>
+          <a:stretch/>
+        </p:blipFill>
+        <p:spPr>
+          <a:prstGeom prst="rect">
+            <a:avLst/>
+          </a:prstGeom>
+        </p:spPr>
+      </p:pic>
     </p:spTree>
     <p:extLst>
       <p:ext uri="{BB962C8B-B14F-4D97-AF65-F5344CB8AC3E}">
@@ -28604,26 +28631,39 @@
                                   </p:childTnLst>
                                 </p:cTn>
                               </p:par>
-                            </p:childTnLst>
-                          </p:cTn>
-                        </p:par>
-                      </p:childTnLst>
-                    </p:cTn>
-                  </p:par>
-                  <p:par>
-                    <p:cTn id="7" fill="hold">
-                      <p:stCondLst>
-                        <p:cond delay="indefinite"/>
-                      </p:stCondLst>
-                      <p:childTnLst>
-                        <p:par>
-                          <p:cTn id="8" fill="hold">
-                            <p:stCondLst>
-                              <p:cond delay="0"/>
-                            </p:stCondLst>
-                            <p:childTnLst>
                               <p:par>
-                                <p:cTn id="9" presetID="1" presetClass="entr" presetSubtype="0" fill="hold" nodeType="clickEffect">
+                                <p:cTn id="7" presetID="1" presetClass="entr" presetSubtype="0" fill="hold" nodeType="withEffect">
+                                  <p:stCondLst>
+                                    <p:cond delay="0"/>
+                                  </p:stCondLst>
+                                  <p:childTnLst>
+                                    <p:set>
+                                      <p:cBhvr>
+                                        <p:cTn id="8" dur="1" fill="hold">
+                                          <p:stCondLst>
+                                            <p:cond delay="0"/>
+                                          </p:stCondLst>
+                                        </p:cTn>
+                                        <p:tgtEl>
+                                          <p:spTgt spid="4">
+                                            <p:txEl>
+                                              <p:pRg st="2" end="2"/>
+                                            </p:txEl>
+                                          </p:spTgt>
+                                        </p:tgtEl>
+                                        <p:attrNameLst>
+                                          <p:attrName>style.visibility</p:attrName>
+                                        </p:attrNameLst>
+                                      </p:cBhvr>
+                                      <p:to>
+                                        <p:strVal val="visible"/>
+                                      </p:to>
+                                    </p:set>
+                                  </p:childTnLst>
+                                </p:cTn>
+                              </p:par>
+                              <p:par>
+                                <p:cTn id="9" presetID="1" presetClass="entr" presetSubtype="0" fill="hold" nodeType="withEffect">
                                   <p:stCondLst>
                                     <p:cond delay="0"/>
                                   </p:stCondLst>
@@ -28638,7 +28678,7 @@
                                         <p:tgtEl>
                                           <p:spTgt spid="4">
                                             <p:txEl>
-                                              <p:pRg st="2" end="2"/>
+                                              <p:pRg st="3" end="3"/>
                                             </p:txEl>
                                           </p:spTgt>
                                         </p:tgtEl>
@@ -28669,7 +28709,7 @@
                                         <p:tgtEl>
                                           <p:spTgt spid="4">
                                             <p:txEl>
-                                              <p:pRg st="3" end="3"/>
+                                              <p:pRg st="4" end="4"/>
                                             </p:txEl>
                                           </p:spTgt>
                                         </p:tgtEl>
@@ -28700,37 +28740,6 @@
                                         <p:tgtEl>
                                           <p:spTgt spid="4">
                                             <p:txEl>
-                                              <p:pRg st="4" end="4"/>
-                                            </p:txEl>
-                                          </p:spTgt>
-                                        </p:tgtEl>
-                                        <p:attrNameLst>
-                                          <p:attrName>style.visibility</p:attrName>
-                                        </p:attrNameLst>
-                                      </p:cBhvr>
-                                      <p:to>
-                                        <p:strVal val="visible"/>
-                                      </p:to>
-                                    </p:set>
-                                  </p:childTnLst>
-                                </p:cTn>
-                              </p:par>
-                              <p:par>
-                                <p:cTn id="15" presetID="1" presetClass="entr" presetSubtype="0" fill="hold" nodeType="withEffect">
-                                  <p:stCondLst>
-                                    <p:cond delay="0"/>
-                                  </p:stCondLst>
-                                  <p:childTnLst>
-                                    <p:set>
-                                      <p:cBhvr>
-                                        <p:cTn id="16" dur="1" fill="hold">
-                                          <p:stCondLst>
-                                            <p:cond delay="0"/>
-                                          </p:stCondLst>
-                                        </p:cTn>
-                                        <p:tgtEl>
-                                          <p:spTgt spid="4">
-                                            <p:txEl>
                                               <p:pRg st="5" end="5"/>
                                             </p:txEl>
                                           </p:spTgt>
@@ -28753,19 +28762,50 @@
                     </p:cTn>
                   </p:par>
                   <p:par>
-                    <p:cTn id="17" fill="hold">
+                    <p:cTn id="15" fill="hold">
                       <p:stCondLst>
                         <p:cond delay="indefinite"/>
                       </p:stCondLst>
                       <p:childTnLst>
                         <p:par>
-                          <p:cTn id="18" fill="hold">
+                          <p:cTn id="16" fill="hold">
                             <p:stCondLst>
                               <p:cond delay="0"/>
                             </p:stCondLst>
                             <p:childTnLst>
                               <p:par>
-                                <p:cTn id="19" presetID="1" presetClass="entr" presetSubtype="0" fill="hold" nodeType="clickEffect">
+                                <p:cTn id="17" presetID="1" presetClass="entr" presetSubtype="0" fill="hold" nodeType="clickEffect">
+                                  <p:stCondLst>
+                                    <p:cond delay="0"/>
+                                  </p:stCondLst>
+                                  <p:childTnLst>
+                                    <p:set>
+                                      <p:cBhvr>
+                                        <p:cTn id="18" dur="1" fill="hold">
+                                          <p:stCondLst>
+                                            <p:cond delay="0"/>
+                                          </p:stCondLst>
+                                        </p:cTn>
+                                        <p:tgtEl>
+                                          <p:spTgt spid="4">
+                                            <p:txEl>
+                                              <p:pRg st="6" end="6"/>
+                                            </p:txEl>
+                                          </p:spTgt>
+                                        </p:tgtEl>
+                                        <p:attrNameLst>
+                                          <p:attrName>style.visibility</p:attrName>
+                                        </p:attrNameLst>
+                                      </p:cBhvr>
+                                      <p:to>
+                                        <p:strVal val="visible"/>
+                                      </p:to>
+                                    </p:set>
+                                  </p:childTnLst>
+                                </p:cTn>
+                              </p:par>
+                              <p:par>
+                                <p:cTn id="19" presetID="1" presetClass="entr" presetSubtype="0" fill="hold" nodeType="withEffect">
                                   <p:stCondLst>
                                     <p:cond delay="0"/>
                                   </p:stCondLst>
@@ -28780,7 +28820,7 @@
                                         <p:tgtEl>
                                           <p:spTgt spid="4">
                                             <p:txEl>
-                                              <p:pRg st="6" end="6"/>
+                                              <p:pRg st="7" end="7"/>
                                             </p:txEl>
                                           </p:spTgt>
                                         </p:tgtEl>
@@ -28811,7 +28851,7 @@
                                         <p:tgtEl>
                                           <p:spTgt spid="4">
                                             <p:txEl>
-                                              <p:pRg st="7" end="7"/>
+                                              <p:pRg st="8" end="8"/>
                                             </p:txEl>
                                           </p:spTgt>
                                         </p:tgtEl>
@@ -28835,37 +28875,6 @@
                                     <p:set>
                                       <p:cBhvr>
                                         <p:cTn id="24" dur="1" fill="hold">
-                                          <p:stCondLst>
-                                            <p:cond delay="0"/>
-                                          </p:stCondLst>
-                                        </p:cTn>
-                                        <p:tgtEl>
-                                          <p:spTgt spid="4">
-                                            <p:txEl>
-                                              <p:pRg st="8" end="8"/>
-                                            </p:txEl>
-                                          </p:spTgt>
-                                        </p:tgtEl>
-                                        <p:attrNameLst>
-                                          <p:attrName>style.visibility</p:attrName>
-                                        </p:attrNameLst>
-                                      </p:cBhvr>
-                                      <p:to>
-                                        <p:strVal val="visible"/>
-                                      </p:to>
-                                    </p:set>
-                                  </p:childTnLst>
-                                </p:cTn>
-                              </p:par>
-                              <p:par>
-                                <p:cTn id="25" presetID="1" presetClass="entr" presetSubtype="0" fill="hold" nodeType="withEffect">
-                                  <p:stCondLst>
-                                    <p:cond delay="0"/>
-                                  </p:stCondLst>
-                                  <p:childTnLst>
-                                    <p:set>
-                                      <p:cBhvr>
-                                        <p:cTn id="26" dur="1" fill="hold">
                                           <p:stCondLst>
                                             <p:cond delay="0"/>
                                           </p:stCondLst>
@@ -28941,7 +28950,7 @@
           <p:cNvPr id="2" name="Titel 1">
             <a:extLst>
               <a:ext uri="{FF2B5EF4-FFF2-40B4-BE49-F238E27FC236}">
-                <a16:creationId xmlns:a16="http://schemas.microsoft.com/office/drawing/2014/main" id="{B4FDD7D8-8FCD-E29C-B0E5-320142E421A1}"/>
+                <a16:creationId xmlns:a16="http://schemas.microsoft.com/office/drawing/2014/main" id="{EC94DBA3-6048-8280-416C-6E2ECDF0D528}"/>
               </a:ext>
             </a:extLst>
           </p:cNvPr>
@@ -28970,10 +28979,10 @@
       </p:sp>
       <p:pic>
         <p:nvPicPr>
-          <p:cNvPr id="10" name="Bildplatzhalter 9" descr="Ein Bild, das Screenshot, Text, Zahl, Reihe enthält.&#10;&#10;Automatisch generierte Beschreibung">
+          <p:cNvPr id="4" name="Inhaltsplatzhalter 3">
             <a:extLst>
               <a:ext uri="{FF2B5EF4-FFF2-40B4-BE49-F238E27FC236}">
-                <a16:creationId xmlns:a16="http://schemas.microsoft.com/office/drawing/2014/main" id="{706C20E6-1235-C62F-E82E-49893CDE2FD1}"/>
+                <a16:creationId xmlns:a16="http://schemas.microsoft.com/office/drawing/2014/main" id="{DCB18719-6672-D9BA-3F75-F6DFD5713752}"/>
               </a:ext>
             </a:extLst>
           </p:cNvPr>
@@ -28981,253 +28990,29 @@
             <a:picLocks noGrp="1" noChangeAspect="1"/>
           </p:cNvPicPr>
           <p:nvPr>
-            <p:ph type="pic" sz="quarter" idx="13"/>
+            <p:ph sz="quarter" idx="10"/>
           </p:nvPr>
         </p:nvPicPr>
-        <p:blipFill rotWithShape="1">
+        <p:blipFill>
           <a:blip r:embed="rId2"/>
-          <a:srcRect l="-9200" r="-9200"/>
-          <a:stretch/>
+          <a:stretch>
+            <a:fillRect/>
+          </a:stretch>
         </p:blipFill>
         <p:spPr>
           <a:xfrm>
-            <a:off x="874713" y="3465513"/>
-            <a:ext cx="10580687" cy="2363787"/>
-          </a:xfrm>
-        </p:spPr>
-      </p:pic>
-      <p:sp>
-        <p:nvSpPr>
-          <p:cNvPr id="3" name="Inhaltsplatzhalter 2">
-            <a:extLst>
-              <a:ext uri="{FF2B5EF4-FFF2-40B4-BE49-F238E27FC236}">
-                <a16:creationId xmlns:a16="http://schemas.microsoft.com/office/drawing/2014/main" id="{BAD852A6-F586-33BD-E035-DFE2EA64D517}"/>
-              </a:ext>
-            </a:extLst>
-          </p:cNvPr>
-          <p:cNvSpPr>
-            <a:spLocks noGrp="1"/>
-          </p:cNvSpPr>
-          <p:nvPr>
-            <p:ph sz="quarter" idx="14"/>
-          </p:nvPr>
-        </p:nvSpPr>
-        <p:spPr>
-          <a:xfrm>
-            <a:off x="874713" y="1484314"/>
-            <a:ext cx="10580687" cy="1897062"/>
-          </a:xfrm>
-        </p:spPr>
-        <p:txBody>
-          <a:bodyPr/>
-          <a:lstStyle/>
-          <a:p>
-            <a:r>
-              <a:rPr lang="de-DE" dirty="0"/>
-              <a:t>Problem: </a:t>
-            </a:r>
-            <a:r>
-              <a:rPr lang="de-DE" dirty="0" err="1"/>
-              <a:t>xz</a:t>
-            </a:r>
-            <a:r>
-              <a:rPr lang="de-DE" dirty="0"/>
-              <a:t> </a:t>
-            </a:r>
-            <a:r>
-              <a:rPr lang="de-DE" dirty="0" err="1"/>
-              <a:t>utils</a:t>
-            </a:r>
-            <a:r>
-              <a:rPr lang="de-DE" dirty="0"/>
-              <a:t> ist open source </a:t>
-            </a:r>
-            <a:r>
-              <a:rPr lang="de-DE" dirty="0">
-                <a:sym typeface="Wingdings" pitchFamily="2" charset="2"/>
-              </a:rPr>
-              <a:t> Backdoor muss verschleiert werden</a:t>
-            </a:r>
-          </a:p>
-          <a:p>
-            <a:endParaRPr lang="de-DE" dirty="0">
-              <a:sym typeface="Wingdings" pitchFamily="2" charset="2"/>
-            </a:endParaRPr>
-          </a:p>
-          <a:p>
-            <a:r>
-              <a:rPr lang="de-DE" dirty="0">
-                <a:sym typeface="Wingdings" pitchFamily="2" charset="2"/>
-              </a:rPr>
-              <a:t>Idee: Verändere </a:t>
-            </a:r>
-            <a:r>
-              <a:rPr lang="de-DE" dirty="0" err="1">
-                <a:sym typeface="Wingdings" pitchFamily="2" charset="2"/>
-              </a:rPr>
-              <a:t>make</a:t>
-            </a:r>
-            <a:r>
-              <a:rPr lang="de-DE" dirty="0">
-                <a:sym typeface="Wingdings" pitchFamily="2" charset="2"/>
-              </a:rPr>
-              <a:t> </a:t>
-            </a:r>
-            <a:r>
-              <a:rPr lang="de-DE" dirty="0" err="1">
-                <a:sym typeface="Wingdings" pitchFamily="2" charset="2"/>
-              </a:rPr>
-              <a:t>files</a:t>
-            </a:r>
-            <a:r>
-              <a:rPr lang="de-DE" dirty="0">
-                <a:sym typeface="Wingdings" pitchFamily="2" charset="2"/>
-              </a:rPr>
-              <a:t> und </a:t>
-            </a:r>
-            <a:r>
-              <a:rPr lang="de-DE" dirty="0" err="1">
-                <a:sym typeface="Wingdings" pitchFamily="2" charset="2"/>
-              </a:rPr>
-              <a:t>build</a:t>
-            </a:r>
-            <a:r>
-              <a:rPr lang="de-DE" dirty="0">
-                <a:sym typeface="Wingdings" pitchFamily="2" charset="2"/>
-              </a:rPr>
-              <a:t> </a:t>
-            </a:r>
-            <a:r>
-              <a:rPr lang="de-DE" dirty="0" err="1">
-                <a:sym typeface="Wingdings" pitchFamily="2" charset="2"/>
-              </a:rPr>
-              <a:t>scripte</a:t>
-            </a:r>
-            <a:r>
-              <a:rPr lang="de-DE" dirty="0">
-                <a:sym typeface="Wingdings" pitchFamily="2" charset="2"/>
-              </a:rPr>
-              <a:t> in release </a:t>
-            </a:r>
-            <a:r>
-              <a:rPr lang="de-DE" dirty="0" err="1">
-                <a:sym typeface="Wingdings" pitchFamily="2" charset="2"/>
-              </a:rPr>
-              <a:t>tarballs</a:t>
-            </a:r>
-            <a:endParaRPr lang="de-DE" dirty="0">
-              <a:sym typeface="Wingdings" pitchFamily="2" charset="2"/>
-            </a:endParaRPr>
-          </a:p>
-          <a:p>
-            <a:pPr marL="285750" indent="-285750">
-              <a:buFont typeface="Arial" panose="020B0604020202020204" pitchFamily="34" charset="0"/>
-              <a:buChar char="•"/>
-            </a:pPr>
-            <a:r>
-              <a:rPr lang="de-DE" b="0" dirty="0">
-                <a:sym typeface="Wingdings" pitchFamily="2" charset="2"/>
-              </a:rPr>
-              <a:t>Grün: von GitHub generiert</a:t>
-            </a:r>
-          </a:p>
-          <a:p>
-            <a:pPr marL="285750" indent="-285750">
-              <a:buFont typeface="Arial" panose="020B0604020202020204" pitchFamily="34" charset="0"/>
-              <a:buChar char="•"/>
-            </a:pPr>
-            <a:r>
-              <a:rPr lang="de-DE" b="0" dirty="0">
-                <a:sym typeface="Wingdings" pitchFamily="2" charset="2"/>
-              </a:rPr>
-              <a:t>Rot: von den </a:t>
-            </a:r>
-            <a:r>
-              <a:rPr lang="de-DE" b="0" dirty="0" err="1">
-                <a:sym typeface="Wingdings" pitchFamily="2" charset="2"/>
-              </a:rPr>
-              <a:t>Maintainern</a:t>
-            </a:r>
-            <a:r>
-              <a:rPr lang="de-DE" b="0" dirty="0">
-                <a:sym typeface="Wingdings" pitchFamily="2" charset="2"/>
-              </a:rPr>
-              <a:t> erstellt (normalerweise automatisiert)</a:t>
-            </a:r>
-          </a:p>
-        </p:txBody>
-      </p:sp>
-      <p:sp>
-        <p:nvSpPr>
-          <p:cNvPr id="11" name="Textfeld 10">
-            <a:extLst>
-              <a:ext uri="{FF2B5EF4-FFF2-40B4-BE49-F238E27FC236}">
-                <a16:creationId xmlns:a16="http://schemas.microsoft.com/office/drawing/2014/main" id="{149DAF52-312E-DE85-5E33-BCD4F1D59311}"/>
-              </a:ext>
-            </a:extLst>
-          </p:cNvPr>
-          <p:cNvSpPr txBox="1"/>
-          <p:nvPr/>
-        </p:nvSpPr>
-        <p:spPr>
-          <a:xfrm>
-            <a:off x="1678781" y="5913437"/>
-            <a:ext cx="3017910" cy="215444"/>
+            <a:off x="1240363" y="1484313"/>
+            <a:ext cx="9849387" cy="4344987"/>
           </a:xfrm>
           <a:prstGeom prst="rect">
             <a:avLst/>
           </a:prstGeom>
-          <a:noFill/>
         </p:spPr>
-        <p:txBody>
-          <a:bodyPr wrap="square" rtlCol="0">
-            <a:spAutoFit/>
-          </a:bodyPr>
-          <a:lstStyle/>
-          <a:p>
-            <a:r>
-              <a:rPr lang="de-DE" sz="800" dirty="0"/>
-              <a:t>[https://</a:t>
-            </a:r>
-            <a:r>
-              <a:rPr lang="de-DE" sz="800" dirty="0" err="1"/>
-              <a:t>github.com</a:t>
-            </a:r>
-            <a:r>
-              <a:rPr lang="de-DE" sz="800" dirty="0"/>
-              <a:t>/</a:t>
-            </a:r>
-            <a:r>
-              <a:rPr lang="de-DE" sz="800" dirty="0" err="1"/>
-              <a:t>tukaani</a:t>
-            </a:r>
-            <a:r>
-              <a:rPr lang="de-DE" sz="800" dirty="0"/>
-              <a:t>-project/</a:t>
-            </a:r>
-            <a:r>
-              <a:rPr lang="de-DE" sz="800" dirty="0" err="1"/>
-              <a:t>xz</a:t>
-            </a:r>
-            <a:r>
-              <a:rPr lang="de-DE" sz="800" dirty="0"/>
-              <a:t>/</a:t>
-            </a:r>
-            <a:r>
-              <a:rPr lang="de-DE" sz="800" dirty="0" err="1"/>
-              <a:t>releases</a:t>
-            </a:r>
-            <a:r>
-              <a:rPr lang="de-DE" sz="800" dirty="0"/>
-              <a:t>/tag/v5.6.2]</a:t>
-            </a:r>
-          </a:p>
-        </p:txBody>
-      </p:sp>
+      </p:pic>
     </p:spTree>
     <p:extLst>
       <p:ext uri="{BB962C8B-B14F-4D97-AF65-F5344CB8AC3E}">
-        <p14:creationId xmlns:p14="http://schemas.microsoft.com/office/powerpoint/2010/main" val="3837190545"/>
+        <p14:creationId xmlns:p14="http://schemas.microsoft.com/office/powerpoint/2010/main" val="3936244579"/>
       </p:ext>
     </p:extLst>
   </p:cSld>
@@ -29348,7 +29133,7 @@
           <p:cNvPr id="2" name="Titel 1">
             <a:extLst>
               <a:ext uri="{FF2B5EF4-FFF2-40B4-BE49-F238E27FC236}">
-                <a16:creationId xmlns:a16="http://schemas.microsoft.com/office/drawing/2014/main" id="{EC94DBA3-6048-8280-416C-6E2ECDF0D528}"/>
+                <a16:creationId xmlns:a16="http://schemas.microsoft.com/office/drawing/2014/main" id="{C3E64874-0DF3-4FF0-645E-7F1863EE34B7}"/>
               </a:ext>
             </a:extLst>
           </p:cNvPr>
@@ -29365,52 +29150,42 @@
           <a:lstStyle/>
           <a:p>
             <a:r>
-              <a:rPr lang="de-DE" dirty="0" err="1"/>
-              <a:t>Build</a:t>
-            </a:r>
-            <a:r>
               <a:rPr lang="de-DE" dirty="0"/>
-              <a:t> Prozess</a:t>
+              <a:t>Zeitlicher Ablauf</a:t>
             </a:r>
           </a:p>
         </p:txBody>
       </p:sp>
-      <p:pic>
-        <p:nvPicPr>
+      <p:graphicFrame>
+        <p:nvGraphicFramePr>
           <p:cNvPr id="4" name="Inhaltsplatzhalter 3">
             <a:extLst>
               <a:ext uri="{FF2B5EF4-FFF2-40B4-BE49-F238E27FC236}">
-                <a16:creationId xmlns:a16="http://schemas.microsoft.com/office/drawing/2014/main" id="{DCB18719-6672-D9BA-3F75-F6DFD5713752}"/>
+                <a16:creationId xmlns:a16="http://schemas.microsoft.com/office/drawing/2014/main" id="{7BFBA283-F784-67CF-249A-0A6037B09B1C}"/>
               </a:ext>
             </a:extLst>
           </p:cNvPr>
-          <p:cNvPicPr>
-            <a:picLocks noGrp="1" noChangeAspect="1"/>
-          </p:cNvPicPr>
+          <p:cNvGraphicFramePr>
+            <a:graphicFrameLocks noGrp="1"/>
+          </p:cNvGraphicFramePr>
           <p:nvPr>
             <p:ph sz="quarter" idx="10"/>
           </p:nvPr>
-        </p:nvPicPr>
-        <p:blipFill>
-          <a:blip r:embed="rId2"/>
-          <a:stretch>
-            <a:fillRect/>
-          </a:stretch>
-        </p:blipFill>
-        <p:spPr>
-          <a:xfrm>
-            <a:off x="1240363" y="1484313"/>
-            <a:ext cx="9849387" cy="4344987"/>
-          </a:xfrm>
-          <a:prstGeom prst="rect">
-            <a:avLst/>
-          </a:prstGeom>
-        </p:spPr>
-      </p:pic>
+        </p:nvGraphicFramePr>
+        <p:xfrm>
+          <a:off x="874711" y="1484313"/>
+          <a:ext cx="10580688" cy="4344987"/>
+        </p:xfrm>
+        <a:graphic>
+          <a:graphicData uri="http://schemas.openxmlformats.org/drawingml/2006/diagram">
+            <dgm:relIds xmlns:dgm="http://schemas.openxmlformats.org/drawingml/2006/diagram" xmlns:r="http://schemas.openxmlformats.org/officeDocument/2006/relationships" r:dm="rId2" r:lo="rId3" r:qs="rId4" r:cs="rId5"/>
+          </a:graphicData>
+        </a:graphic>
+      </p:graphicFrame>
     </p:spTree>
     <p:extLst>
       <p:ext uri="{BB962C8B-B14F-4D97-AF65-F5344CB8AC3E}">
-        <p14:creationId xmlns:p14="http://schemas.microsoft.com/office/powerpoint/2010/main" val="3936244579"/>
+        <p14:creationId xmlns:p14="http://schemas.microsoft.com/office/powerpoint/2010/main" val="74062638"/>
       </p:ext>
     </p:extLst>
   </p:cSld>
@@ -29421,6 +29196,878 @@
 </file>
 
 <file path=ppt/slides/slide21.xml><?xml version="1.0" encoding="utf-8"?>
+<p:sld xmlns:a="http://schemas.openxmlformats.org/drawingml/2006/main" xmlns:r="http://schemas.openxmlformats.org/officeDocument/2006/relationships" xmlns:p="http://schemas.openxmlformats.org/presentationml/2006/main">
+  <p:cSld>
+    <p:spTree>
+      <p:nvGrpSpPr>
+        <p:cNvPr id="1" name=""/>
+        <p:cNvGrpSpPr/>
+        <p:nvPr/>
+      </p:nvGrpSpPr>
+      <p:grpSpPr>
+        <a:xfrm>
+          <a:off x="0" y="0"/>
+          <a:ext cx="0" cy="0"/>
+          <a:chOff x="0" y="0"/>
+          <a:chExt cx="0" cy="0"/>
+        </a:xfrm>
+      </p:grpSpPr>
+      <p:sp>
+        <p:nvSpPr>
+          <p:cNvPr id="2" name="Titel 1">
+            <a:extLst>
+              <a:ext uri="{FF2B5EF4-FFF2-40B4-BE49-F238E27FC236}">
+                <a16:creationId xmlns:a16="http://schemas.microsoft.com/office/drawing/2014/main" id="{5CD0A27A-BFF4-B4C0-F604-9D85B42A47D7}"/>
+              </a:ext>
+            </a:extLst>
+          </p:cNvPr>
+          <p:cNvSpPr>
+            <a:spLocks noGrp="1"/>
+          </p:cNvSpPr>
+          <p:nvPr>
+            <p:ph type="title"/>
+          </p:nvPr>
+        </p:nvSpPr>
+        <p:spPr/>
+        <p:txBody>
+          <a:bodyPr/>
+          <a:lstStyle/>
+          <a:p>
+            <a:r>
+              <a:rPr lang="de-DE" dirty="0"/>
+              <a:t>Zusammenfassung</a:t>
+            </a:r>
+          </a:p>
+        </p:txBody>
+      </p:sp>
+      <p:pic>
+        <p:nvPicPr>
+          <p:cNvPr id="7" name="Bildplatzhalter 6" descr="Ein Bild, das Text, Entwurf, Zeichnung, Diagramm enthält.&#10;&#10;Automatisch generierte Beschreibung">
+            <a:extLst>
+              <a:ext uri="{FF2B5EF4-FFF2-40B4-BE49-F238E27FC236}">
+                <a16:creationId xmlns:a16="http://schemas.microsoft.com/office/drawing/2014/main" id="{4FA0C14C-BF98-9A96-C2CB-DB1E5B4F263C}"/>
+              </a:ext>
+            </a:extLst>
+          </p:cNvPr>
+          <p:cNvPicPr>
+            <a:picLocks noGrp="1" noChangeAspect="1"/>
+          </p:cNvPicPr>
+          <p:nvPr>
+            <p:ph type="pic" sz="quarter" idx="13"/>
+          </p:nvPr>
+        </p:nvPicPr>
+        <p:blipFill>
+          <a:blip r:embed="rId2"/>
+          <a:srcRect l="199" r="199"/>
+          <a:stretch>
+            <a:fillRect/>
+          </a:stretch>
+        </p:blipFill>
+        <p:spPr/>
+      </p:pic>
+      <p:sp>
+        <p:nvSpPr>
+          <p:cNvPr id="5" name="Inhaltsplatzhalter 4">
+            <a:extLst>
+              <a:ext uri="{FF2B5EF4-FFF2-40B4-BE49-F238E27FC236}">
+                <a16:creationId xmlns:a16="http://schemas.microsoft.com/office/drawing/2014/main" id="{EF1DEFB8-1281-E056-6B58-CF752E450E1E}"/>
+              </a:ext>
+            </a:extLst>
+          </p:cNvPr>
+          <p:cNvSpPr>
+            <a:spLocks noGrp="1"/>
+          </p:cNvSpPr>
+          <p:nvPr>
+            <p:ph sz="quarter" idx="14"/>
+          </p:nvPr>
+        </p:nvSpPr>
+        <p:spPr/>
+        <p:txBody>
+          <a:bodyPr/>
+          <a:lstStyle/>
+          <a:p>
+            <a:r>
+              <a:rPr lang="de-DE" dirty="0" err="1"/>
+              <a:t>xz</a:t>
+            </a:r>
+            <a:r>
+              <a:rPr lang="de-DE" dirty="0"/>
+              <a:t> </a:t>
+            </a:r>
+            <a:r>
+              <a:rPr lang="de-DE" dirty="0" err="1"/>
+              <a:t>utils</a:t>
+            </a:r>
+            <a:r>
+              <a:rPr lang="de-DE" dirty="0"/>
+              <a:t> enthielt in den Versionen v5.6.0 und v5.6.1 eine Backdoor</a:t>
+            </a:r>
+          </a:p>
+          <a:p>
+            <a:pPr marL="285750" indent="-285750">
+              <a:buFont typeface="Arial" panose="020B0604020202020204" pitchFamily="34" charset="0"/>
+              <a:buChar char="•"/>
+            </a:pPr>
+            <a:r>
+              <a:rPr lang="de-DE" b="0" dirty="0"/>
+              <a:t>Durch </a:t>
+            </a:r>
+            <a:r>
+              <a:rPr lang="de-DE" b="0" dirty="0" err="1"/>
+              <a:t>co-maintainer</a:t>
+            </a:r>
+            <a:r>
+              <a:rPr lang="de-DE" b="0" dirty="0"/>
+              <a:t> Jia Tan eingeschleust</a:t>
+            </a:r>
+          </a:p>
+          <a:p>
+            <a:pPr marL="285750" indent="-285750">
+              <a:buFont typeface="Arial" panose="020B0604020202020204" pitchFamily="34" charset="0"/>
+              <a:buChar char="•"/>
+            </a:pPr>
+            <a:r>
+              <a:rPr lang="de-DE" b="0" dirty="0"/>
+              <a:t>Hochkomplex</a:t>
+            </a:r>
+          </a:p>
+          <a:p>
+            <a:pPr marL="285750" indent="-285750">
+              <a:buFont typeface="Arial" panose="020B0604020202020204" pitchFamily="34" charset="0"/>
+              <a:buChar char="•"/>
+            </a:pPr>
+            <a:r>
+              <a:rPr lang="de-DE" b="0" dirty="0"/>
+              <a:t>Langfristig geplant und ausgeführt</a:t>
+            </a:r>
+          </a:p>
+          <a:p>
+            <a:endParaRPr lang="de-DE" dirty="0"/>
+          </a:p>
+          <a:p>
+            <a:r>
+              <a:rPr lang="de-DE" dirty="0"/>
+              <a:t>Takeaways:</a:t>
+            </a:r>
+          </a:p>
+          <a:p>
+            <a:pPr marL="285750" indent="-285750">
+              <a:buFont typeface="Arial" panose="020B0604020202020204" pitchFamily="34" charset="0"/>
+              <a:buChar char="•"/>
+            </a:pPr>
+            <a:r>
+              <a:rPr lang="de-DE" dirty="0"/>
+              <a:t>Open source Software kann </a:t>
+            </a:r>
+            <a:r>
+              <a:rPr lang="de-DE" dirty="0" err="1"/>
+              <a:t>gehacked</a:t>
+            </a:r>
+            <a:r>
+              <a:rPr lang="de-DE" dirty="0"/>
+              <a:t> werden!</a:t>
+            </a:r>
+          </a:p>
+          <a:p>
+            <a:pPr marL="537750" lvl="2" indent="-285750">
+              <a:buFont typeface="Arial" panose="020B0604020202020204" pitchFamily="34" charset="0"/>
+              <a:buChar char="•"/>
+            </a:pPr>
+            <a:r>
+              <a:rPr lang="de-DE" dirty="0" err="1"/>
+              <a:t>Maintainer</a:t>
+            </a:r>
+            <a:r>
+              <a:rPr lang="de-DE" dirty="0"/>
+              <a:t> betreiben Projekte oft nur als Hobby</a:t>
+            </a:r>
+          </a:p>
+          <a:p>
+            <a:pPr marL="285750" lvl="1" indent="-285750">
+              <a:buFont typeface="Arial" panose="020B0604020202020204" pitchFamily="34" charset="0"/>
+              <a:buChar char="•"/>
+            </a:pPr>
+            <a:r>
+              <a:rPr lang="de-DE" b="1" dirty="0"/>
+              <a:t>Abhängigkeiten von Bibliotheken minimieren</a:t>
+            </a:r>
+          </a:p>
+          <a:p>
+            <a:pPr marL="285750" lvl="1" indent="-285750">
+              <a:buFont typeface="Arial" panose="020B0604020202020204" pitchFamily="34" charset="0"/>
+              <a:buChar char="•"/>
+            </a:pPr>
+            <a:r>
+              <a:rPr lang="de-DE" b="1" dirty="0"/>
+              <a:t>Binärdateien sind intransparent</a:t>
+            </a:r>
+          </a:p>
+          <a:p>
+            <a:endParaRPr lang="de-DE" dirty="0"/>
+          </a:p>
+          <a:p>
+            <a:endParaRPr lang="de-DE" dirty="0"/>
+          </a:p>
+        </p:txBody>
+      </p:sp>
+      <p:sp>
+        <p:nvSpPr>
+          <p:cNvPr id="8" name="Textfeld 7">
+            <a:extLst>
+              <a:ext uri="{FF2B5EF4-FFF2-40B4-BE49-F238E27FC236}">
+                <a16:creationId xmlns:a16="http://schemas.microsoft.com/office/drawing/2014/main" id="{E68F118C-5731-C40D-B32E-7E188A3E1162}"/>
+              </a:ext>
+            </a:extLst>
+          </p:cNvPr>
+          <p:cNvSpPr txBox="1"/>
+          <p:nvPr/>
+        </p:nvSpPr>
+        <p:spPr>
+          <a:xfrm>
+            <a:off x="7156450" y="5913894"/>
+            <a:ext cx="4882099" cy="338554"/>
+          </a:xfrm>
+          <a:prstGeom prst="rect">
+            <a:avLst/>
+          </a:prstGeom>
+          <a:noFill/>
+        </p:spPr>
+        <p:txBody>
+          <a:bodyPr wrap="square" rtlCol="0">
+            <a:spAutoFit/>
+          </a:bodyPr>
+          <a:lstStyle/>
+          <a:p>
+            <a:r>
+              <a:rPr lang="de-DE" sz="800" dirty="0"/>
+              <a:t>[https://</a:t>
+            </a:r>
+            <a:r>
+              <a:rPr lang="de-DE" sz="800" dirty="0" err="1"/>
+              <a:t>www.reddit.com</a:t>
+            </a:r>
+            <a:r>
+              <a:rPr lang="de-DE" sz="800" dirty="0"/>
+              <a:t>/</a:t>
+            </a:r>
+            <a:r>
+              <a:rPr lang="de-DE" sz="800" dirty="0" err="1"/>
+              <a:t>r</a:t>
+            </a:r>
+            <a:r>
+              <a:rPr lang="de-DE" sz="800" dirty="0"/>
+              <a:t>/</a:t>
+            </a:r>
+            <a:r>
+              <a:rPr lang="de-DE" sz="800" dirty="0" err="1"/>
+              <a:t>ProgrammerHumor</a:t>
+            </a:r>
+            <a:r>
+              <a:rPr lang="de-DE" sz="800" dirty="0"/>
+              <a:t>/</a:t>
+            </a:r>
+            <a:r>
+              <a:rPr lang="de-DE" sz="800" dirty="0" err="1"/>
+              <a:t>comments</a:t>
+            </a:r>
+            <a:r>
+              <a:rPr lang="de-DE" sz="800" dirty="0"/>
+              <a:t>/l2jonu/we_should_all_set_aside_2_a_week_to_help_keep/#</a:t>
+            </a:r>
+            <a:r>
+              <a:rPr lang="de-DE" sz="800" dirty="0" err="1"/>
+              <a:t>lightbox</a:t>
+            </a:r>
+            <a:r>
+              <a:rPr lang="de-DE" sz="800" dirty="0"/>
+              <a:t>]</a:t>
+            </a:r>
+          </a:p>
+        </p:txBody>
+      </p:sp>
+    </p:spTree>
+    <p:extLst>
+      <p:ext uri="{BB962C8B-B14F-4D97-AF65-F5344CB8AC3E}">
+        <p14:creationId xmlns:p14="http://schemas.microsoft.com/office/powerpoint/2010/main" val="2288889646"/>
+      </p:ext>
+    </p:extLst>
+  </p:cSld>
+  <p:clrMapOvr>
+    <a:masterClrMapping/>
+  </p:clrMapOvr>
+</p:sld>
+</file>
+
+<file path=ppt/slides/slide22.xml><?xml version="1.0" encoding="utf-8"?>
+<p:sld xmlns:a="http://schemas.openxmlformats.org/drawingml/2006/main" xmlns:r="http://schemas.openxmlformats.org/officeDocument/2006/relationships" xmlns:p="http://schemas.openxmlformats.org/presentationml/2006/main">
+  <p:cSld>
+    <p:spTree>
+      <p:nvGrpSpPr>
+        <p:cNvPr id="1" name=""/>
+        <p:cNvGrpSpPr/>
+        <p:nvPr/>
+      </p:nvGrpSpPr>
+      <p:grpSpPr>
+        <a:xfrm>
+          <a:off x="0" y="0"/>
+          <a:ext cx="0" cy="0"/>
+          <a:chOff x="0" y="0"/>
+          <a:chExt cx="0" cy="0"/>
+        </a:xfrm>
+      </p:grpSpPr>
+      <p:sp>
+        <p:nvSpPr>
+          <p:cNvPr id="2" name="Titel 1">
+            <a:extLst>
+              <a:ext uri="{FF2B5EF4-FFF2-40B4-BE49-F238E27FC236}">
+                <a16:creationId xmlns:a16="http://schemas.microsoft.com/office/drawing/2014/main" id="{F18E4BDC-554F-B1D8-F817-C74B23CCF0F2}"/>
+              </a:ext>
+            </a:extLst>
+          </p:cNvPr>
+          <p:cNvSpPr>
+            <a:spLocks noGrp="1"/>
+          </p:cNvSpPr>
+          <p:nvPr>
+            <p:ph type="title"/>
+          </p:nvPr>
+        </p:nvSpPr>
+        <p:spPr/>
+        <p:txBody>
+          <a:bodyPr/>
+          <a:lstStyle/>
+          <a:p>
+            <a:r>
+              <a:rPr lang="de-DE" dirty="0"/>
+              <a:t>Quellen</a:t>
+            </a:r>
+          </a:p>
+        </p:txBody>
+      </p:sp>
+      <p:sp>
+        <p:nvSpPr>
+          <p:cNvPr id="3" name="Inhaltsplatzhalter 2">
+            <a:extLst>
+              <a:ext uri="{FF2B5EF4-FFF2-40B4-BE49-F238E27FC236}">
+                <a16:creationId xmlns:a16="http://schemas.microsoft.com/office/drawing/2014/main" id="{52449B69-B6D9-A1EA-F14F-E45E0EFD0E49}"/>
+              </a:ext>
+            </a:extLst>
+          </p:cNvPr>
+          <p:cNvSpPr>
+            <a:spLocks noGrp="1"/>
+          </p:cNvSpPr>
+          <p:nvPr>
+            <p:ph sz="quarter" idx="10"/>
+          </p:nvPr>
+        </p:nvSpPr>
+        <p:spPr/>
+        <p:txBody>
+          <a:bodyPr/>
+          <a:lstStyle/>
+          <a:p>
+            <a:r>
+              <a:rPr lang="de-DE" b="0" dirty="0">
+                <a:solidFill>
+                  <a:schemeClr val="tx2"/>
+                </a:solidFill>
+                <a:hlinkClick r:id="rId2"/>
+              </a:rPr>
+              <a:t>https://www.youtube.com/watch?v=Q6ovtLdSbEA</a:t>
+            </a:r>
+            <a:endParaRPr lang="de-DE" b="0" dirty="0">
+              <a:solidFill>
+                <a:schemeClr val="tx2"/>
+              </a:solidFill>
+            </a:endParaRPr>
+          </a:p>
+          <a:p>
+            <a:r>
+              <a:rPr lang="de-DE" b="0" dirty="0">
+                <a:solidFill>
+                  <a:schemeClr val="tx2"/>
+                </a:solidFill>
+                <a:hlinkClick r:id="rId3"/>
+              </a:rPr>
+              <a:t>https://boehs.org/node/everything-i-know-about-the-xz-backdoor</a:t>
+            </a:r>
+            <a:endParaRPr lang="de-DE" b="0" dirty="0">
+              <a:solidFill>
+                <a:schemeClr val="tx2"/>
+              </a:solidFill>
+            </a:endParaRPr>
+          </a:p>
+          <a:p>
+            <a:r>
+              <a:rPr lang="de-DE" b="0" dirty="0">
+                <a:solidFill>
+                  <a:schemeClr val="tx2"/>
+                </a:solidFill>
+                <a:hlinkClick r:id="rId4"/>
+              </a:rPr>
+              <a:t>https://www.openwall.com/lists/oss-security/2024/03/29/4</a:t>
+            </a:r>
+            <a:endParaRPr lang="de-DE" b="0" dirty="0">
+              <a:solidFill>
+                <a:schemeClr val="tx2"/>
+              </a:solidFill>
+            </a:endParaRPr>
+          </a:p>
+          <a:p>
+            <a:r>
+              <a:rPr lang="de-DE" b="0" dirty="0">
+                <a:solidFill>
+                  <a:schemeClr val="tx2"/>
+                </a:solidFill>
+                <a:hlinkClick r:id="rId5"/>
+              </a:rPr>
+              <a:t>https://gynvael.coldwind.pl/?lang=en&amp;id=782</a:t>
+            </a:r>
+            <a:endParaRPr lang="de-DE" b="0" dirty="0">
+              <a:solidFill>
+                <a:schemeClr val="tx2"/>
+              </a:solidFill>
+            </a:endParaRPr>
+          </a:p>
+          <a:p>
+            <a:r>
+              <a:rPr lang="de-DE" b="0" dirty="0">
+                <a:solidFill>
+                  <a:schemeClr val="tx2"/>
+                </a:solidFill>
+                <a:hlinkClick r:id="rId6"/>
+              </a:rPr>
+              <a:t>https://medium.com/@knownsec404team/analysis-of-the-xz-utils-backdoor-code-d2d5316ac43f</a:t>
+            </a:r>
+            <a:endParaRPr lang="de-DE" b="0" dirty="0">
+              <a:solidFill>
+                <a:schemeClr val="tx2"/>
+              </a:solidFill>
+            </a:endParaRPr>
+          </a:p>
+          <a:p>
+            <a:r>
+              <a:rPr lang="de-DE" b="0" dirty="0">
+                <a:solidFill>
+                  <a:schemeClr val="tx2"/>
+                </a:solidFill>
+                <a:hlinkClick r:id="rId7"/>
+              </a:rPr>
+              <a:t>https://github.com/amlweems/xzbot</a:t>
+            </a:r>
+            <a:endParaRPr lang="de-DE" b="0" dirty="0">
+              <a:solidFill>
+                <a:schemeClr val="tx2"/>
+              </a:solidFill>
+            </a:endParaRPr>
+          </a:p>
+          <a:p>
+            <a:r>
+              <a:rPr lang="de-DE" b="0" dirty="0">
+                <a:solidFill>
+                  <a:schemeClr val="tx2"/>
+                </a:solidFill>
+                <a:hlinkClick r:id="rId8"/>
+              </a:rPr>
+              <a:t>https://gist.github.com/smx-smx/a6112d54777845d389bd7126d6e9f504</a:t>
+            </a:r>
+            <a:endParaRPr lang="de-DE" b="0" dirty="0">
+              <a:solidFill>
+                <a:schemeClr val="tx2"/>
+              </a:solidFill>
+            </a:endParaRPr>
+          </a:p>
+          <a:p>
+            <a:r>
+              <a:rPr lang="de-DE" b="0" dirty="0">
+                <a:solidFill>
+                  <a:schemeClr val="tx2"/>
+                </a:solidFill>
+                <a:hlinkClick r:id="rId9"/>
+              </a:rPr>
+              <a:t>https://rya.nc/xz-valid-n.html</a:t>
+            </a:r>
+            <a:endParaRPr lang="de-DE" b="0" dirty="0">
+              <a:solidFill>
+                <a:schemeClr val="tx2"/>
+              </a:solidFill>
+            </a:endParaRPr>
+          </a:p>
+          <a:p>
+            <a:r>
+              <a:rPr lang="de-DE" b="0" dirty="0">
+                <a:solidFill>
+                  <a:schemeClr val="tx2"/>
+                </a:solidFill>
+                <a:hlinkClick r:id="rId10"/>
+              </a:rPr>
+              <a:t>https://github.com/tukaani-project/xz</a:t>
+            </a:r>
+            <a:endParaRPr lang="de-DE" b="0" dirty="0">
+              <a:solidFill>
+                <a:schemeClr val="tx2"/>
+              </a:solidFill>
+            </a:endParaRPr>
+          </a:p>
+          <a:p>
+            <a:r>
+              <a:rPr lang="de-DE" b="0" dirty="0">
+                <a:solidFill>
+                  <a:schemeClr val="tx2"/>
+                </a:solidFill>
+                <a:hlinkClick r:id="rId11"/>
+              </a:rPr>
+              <a:t>https://git.tukaani.org/</a:t>
+            </a:r>
+            <a:endParaRPr lang="de-DE" b="0" dirty="0">
+              <a:solidFill>
+                <a:schemeClr val="tx2"/>
+              </a:solidFill>
+            </a:endParaRPr>
+          </a:p>
+          <a:p>
+            <a:endParaRPr lang="de-DE" b="0" dirty="0">
+              <a:solidFill>
+                <a:schemeClr val="tx2"/>
+              </a:solidFill>
+            </a:endParaRPr>
+          </a:p>
+        </p:txBody>
+      </p:sp>
+    </p:spTree>
+    <p:extLst>
+      <p:ext uri="{BB962C8B-B14F-4D97-AF65-F5344CB8AC3E}">
+        <p14:creationId xmlns:p14="http://schemas.microsoft.com/office/powerpoint/2010/main" val="3748276230"/>
+      </p:ext>
+    </p:extLst>
+  </p:cSld>
+  <p:clrMapOvr>
+    <a:masterClrMapping/>
+  </p:clrMapOvr>
+</p:sld>
+</file>
+
+<file path=ppt/slides/slide23.xml><?xml version="1.0" encoding="utf-8"?>
+<p:sld xmlns:a="http://schemas.openxmlformats.org/drawingml/2006/main" xmlns:r="http://schemas.openxmlformats.org/officeDocument/2006/relationships" xmlns:p="http://schemas.openxmlformats.org/presentationml/2006/main">
+  <p:cSld>
+    <p:spTree>
+      <p:nvGrpSpPr>
+        <p:cNvPr id="1" name=""/>
+        <p:cNvGrpSpPr/>
+        <p:nvPr/>
+      </p:nvGrpSpPr>
+      <p:grpSpPr>
+        <a:xfrm>
+          <a:off x="0" y="0"/>
+          <a:ext cx="0" cy="0"/>
+          <a:chOff x="0" y="0"/>
+          <a:chExt cx="0" cy="0"/>
+        </a:xfrm>
+      </p:grpSpPr>
+      <p:sp>
+        <p:nvSpPr>
+          <p:cNvPr id="2" name="Titel 1">
+            <a:extLst>
+              <a:ext uri="{FF2B5EF4-FFF2-40B4-BE49-F238E27FC236}">
+                <a16:creationId xmlns:a16="http://schemas.microsoft.com/office/drawing/2014/main" id="{B4FDD7D8-8FCD-E29C-B0E5-320142E421A1}"/>
+              </a:ext>
+            </a:extLst>
+          </p:cNvPr>
+          <p:cNvSpPr>
+            <a:spLocks noGrp="1"/>
+          </p:cNvSpPr>
+          <p:nvPr>
+            <p:ph type="title"/>
+          </p:nvPr>
+        </p:nvSpPr>
+        <p:spPr/>
+        <p:txBody>
+          <a:bodyPr/>
+          <a:lstStyle/>
+          <a:p>
+            <a:r>
+              <a:rPr lang="de-DE" dirty="0"/>
+              <a:t>Bonus: </a:t>
+            </a:r>
+            <a:r>
+              <a:rPr lang="de-DE" dirty="0" err="1"/>
+              <a:t>Build</a:t>
+            </a:r>
+            <a:r>
+              <a:rPr lang="de-DE" dirty="0"/>
+              <a:t> Prozess</a:t>
+            </a:r>
+          </a:p>
+        </p:txBody>
+      </p:sp>
+      <p:pic>
+        <p:nvPicPr>
+          <p:cNvPr id="10" name="Bildplatzhalter 9" descr="Ein Bild, das Screenshot, Text, Zahl, Reihe enthält.&#10;&#10;Automatisch generierte Beschreibung">
+            <a:extLst>
+              <a:ext uri="{FF2B5EF4-FFF2-40B4-BE49-F238E27FC236}">
+                <a16:creationId xmlns:a16="http://schemas.microsoft.com/office/drawing/2014/main" id="{706C20E6-1235-C62F-E82E-49893CDE2FD1}"/>
+              </a:ext>
+            </a:extLst>
+          </p:cNvPr>
+          <p:cNvPicPr>
+            <a:picLocks noGrp="1" noChangeAspect="1"/>
+          </p:cNvPicPr>
+          <p:nvPr>
+            <p:ph type="pic" sz="quarter" idx="13"/>
+          </p:nvPr>
+        </p:nvPicPr>
+        <p:blipFill rotWithShape="1">
+          <a:blip r:embed="rId2"/>
+          <a:srcRect l="-9200" r="-9200"/>
+          <a:stretch/>
+        </p:blipFill>
+        <p:spPr>
+          <a:xfrm>
+            <a:off x="874713" y="3465513"/>
+            <a:ext cx="10580687" cy="2363787"/>
+          </a:xfrm>
+        </p:spPr>
+      </p:pic>
+      <p:sp>
+        <p:nvSpPr>
+          <p:cNvPr id="3" name="Inhaltsplatzhalter 2">
+            <a:extLst>
+              <a:ext uri="{FF2B5EF4-FFF2-40B4-BE49-F238E27FC236}">
+                <a16:creationId xmlns:a16="http://schemas.microsoft.com/office/drawing/2014/main" id="{BAD852A6-F586-33BD-E035-DFE2EA64D517}"/>
+              </a:ext>
+            </a:extLst>
+          </p:cNvPr>
+          <p:cNvSpPr>
+            <a:spLocks noGrp="1"/>
+          </p:cNvSpPr>
+          <p:nvPr>
+            <p:ph sz="quarter" idx="14"/>
+          </p:nvPr>
+        </p:nvSpPr>
+        <p:spPr>
+          <a:xfrm>
+            <a:off x="874713" y="1484314"/>
+            <a:ext cx="10580687" cy="1897062"/>
+          </a:xfrm>
+        </p:spPr>
+        <p:txBody>
+          <a:bodyPr/>
+          <a:lstStyle/>
+          <a:p>
+            <a:r>
+              <a:rPr lang="de-DE" dirty="0"/>
+              <a:t>Problem: </a:t>
+            </a:r>
+            <a:r>
+              <a:rPr lang="de-DE" dirty="0" err="1"/>
+              <a:t>xz</a:t>
+            </a:r>
+            <a:r>
+              <a:rPr lang="de-DE" dirty="0"/>
+              <a:t> </a:t>
+            </a:r>
+            <a:r>
+              <a:rPr lang="de-DE" dirty="0" err="1"/>
+              <a:t>utils</a:t>
+            </a:r>
+            <a:r>
+              <a:rPr lang="de-DE" dirty="0"/>
+              <a:t> ist open source </a:t>
+            </a:r>
+            <a:r>
+              <a:rPr lang="de-DE" dirty="0">
+                <a:sym typeface="Wingdings" pitchFamily="2" charset="2"/>
+              </a:rPr>
+              <a:t> Backdoor muss verschleiert werden</a:t>
+            </a:r>
+          </a:p>
+          <a:p>
+            <a:endParaRPr lang="de-DE" dirty="0">
+              <a:sym typeface="Wingdings" pitchFamily="2" charset="2"/>
+            </a:endParaRPr>
+          </a:p>
+          <a:p>
+            <a:r>
+              <a:rPr lang="de-DE" dirty="0">
+                <a:sym typeface="Wingdings" pitchFamily="2" charset="2"/>
+              </a:rPr>
+              <a:t>Idee: Verändere </a:t>
+            </a:r>
+            <a:r>
+              <a:rPr lang="de-DE" dirty="0" err="1">
+                <a:sym typeface="Wingdings" pitchFamily="2" charset="2"/>
+              </a:rPr>
+              <a:t>make</a:t>
+            </a:r>
+            <a:r>
+              <a:rPr lang="de-DE" dirty="0">
+                <a:sym typeface="Wingdings" pitchFamily="2" charset="2"/>
+              </a:rPr>
+              <a:t> </a:t>
+            </a:r>
+            <a:r>
+              <a:rPr lang="de-DE" dirty="0" err="1">
+                <a:sym typeface="Wingdings" pitchFamily="2" charset="2"/>
+              </a:rPr>
+              <a:t>files</a:t>
+            </a:r>
+            <a:r>
+              <a:rPr lang="de-DE" dirty="0">
+                <a:sym typeface="Wingdings" pitchFamily="2" charset="2"/>
+              </a:rPr>
+              <a:t> und </a:t>
+            </a:r>
+            <a:r>
+              <a:rPr lang="de-DE" dirty="0" err="1">
+                <a:sym typeface="Wingdings" pitchFamily="2" charset="2"/>
+              </a:rPr>
+              <a:t>build</a:t>
+            </a:r>
+            <a:r>
+              <a:rPr lang="de-DE" dirty="0">
+                <a:sym typeface="Wingdings" pitchFamily="2" charset="2"/>
+              </a:rPr>
+              <a:t> </a:t>
+            </a:r>
+            <a:r>
+              <a:rPr lang="de-DE" dirty="0" err="1">
+                <a:sym typeface="Wingdings" pitchFamily="2" charset="2"/>
+              </a:rPr>
+              <a:t>scripte</a:t>
+            </a:r>
+            <a:r>
+              <a:rPr lang="de-DE" dirty="0">
+                <a:sym typeface="Wingdings" pitchFamily="2" charset="2"/>
+              </a:rPr>
+              <a:t> in release </a:t>
+            </a:r>
+            <a:r>
+              <a:rPr lang="de-DE" dirty="0" err="1">
+                <a:sym typeface="Wingdings" pitchFamily="2" charset="2"/>
+              </a:rPr>
+              <a:t>tarballs</a:t>
+            </a:r>
+            <a:endParaRPr lang="de-DE" dirty="0">
+              <a:sym typeface="Wingdings" pitchFamily="2" charset="2"/>
+            </a:endParaRPr>
+          </a:p>
+          <a:p>
+            <a:pPr marL="285750" indent="-285750">
+              <a:buFont typeface="Arial" panose="020B0604020202020204" pitchFamily="34" charset="0"/>
+              <a:buChar char="•"/>
+            </a:pPr>
+            <a:r>
+              <a:rPr lang="de-DE" b="0" dirty="0">
+                <a:sym typeface="Wingdings" pitchFamily="2" charset="2"/>
+              </a:rPr>
+              <a:t>Grün: von GitHub generiert</a:t>
+            </a:r>
+          </a:p>
+          <a:p>
+            <a:pPr marL="285750" indent="-285750">
+              <a:buFont typeface="Arial" panose="020B0604020202020204" pitchFamily="34" charset="0"/>
+              <a:buChar char="•"/>
+            </a:pPr>
+            <a:r>
+              <a:rPr lang="de-DE" b="0" dirty="0">
+                <a:sym typeface="Wingdings" pitchFamily="2" charset="2"/>
+              </a:rPr>
+              <a:t>Rot: von den </a:t>
+            </a:r>
+            <a:r>
+              <a:rPr lang="de-DE" b="0" dirty="0" err="1">
+                <a:sym typeface="Wingdings" pitchFamily="2" charset="2"/>
+              </a:rPr>
+              <a:t>Maintainern</a:t>
+            </a:r>
+            <a:r>
+              <a:rPr lang="de-DE" b="0" dirty="0">
+                <a:sym typeface="Wingdings" pitchFamily="2" charset="2"/>
+              </a:rPr>
+              <a:t> erstellt (normalerweise automatisiert)</a:t>
+            </a:r>
+          </a:p>
+        </p:txBody>
+      </p:sp>
+      <p:sp>
+        <p:nvSpPr>
+          <p:cNvPr id="11" name="Textfeld 10">
+            <a:extLst>
+              <a:ext uri="{FF2B5EF4-FFF2-40B4-BE49-F238E27FC236}">
+                <a16:creationId xmlns:a16="http://schemas.microsoft.com/office/drawing/2014/main" id="{149DAF52-312E-DE85-5E33-BCD4F1D59311}"/>
+              </a:ext>
+            </a:extLst>
+          </p:cNvPr>
+          <p:cNvSpPr txBox="1"/>
+          <p:nvPr/>
+        </p:nvSpPr>
+        <p:spPr>
+          <a:xfrm>
+            <a:off x="1678781" y="5913437"/>
+            <a:ext cx="3017910" cy="215444"/>
+          </a:xfrm>
+          <a:prstGeom prst="rect">
+            <a:avLst/>
+          </a:prstGeom>
+          <a:noFill/>
+        </p:spPr>
+        <p:txBody>
+          <a:bodyPr wrap="square" rtlCol="0">
+            <a:spAutoFit/>
+          </a:bodyPr>
+          <a:lstStyle/>
+          <a:p>
+            <a:r>
+              <a:rPr lang="de-DE" sz="800" dirty="0"/>
+              <a:t>[https://</a:t>
+            </a:r>
+            <a:r>
+              <a:rPr lang="de-DE" sz="800" dirty="0" err="1"/>
+              <a:t>github.com</a:t>
+            </a:r>
+            <a:r>
+              <a:rPr lang="de-DE" sz="800" dirty="0"/>
+              <a:t>/</a:t>
+            </a:r>
+            <a:r>
+              <a:rPr lang="de-DE" sz="800" dirty="0" err="1"/>
+              <a:t>tukaani</a:t>
+            </a:r>
+            <a:r>
+              <a:rPr lang="de-DE" sz="800" dirty="0"/>
+              <a:t>-project/</a:t>
+            </a:r>
+            <a:r>
+              <a:rPr lang="de-DE" sz="800" dirty="0" err="1"/>
+              <a:t>xz</a:t>
+            </a:r>
+            <a:r>
+              <a:rPr lang="de-DE" sz="800" dirty="0"/>
+              <a:t>/</a:t>
+            </a:r>
+            <a:r>
+              <a:rPr lang="de-DE" sz="800" dirty="0" err="1"/>
+              <a:t>releases</a:t>
+            </a:r>
+            <a:r>
+              <a:rPr lang="de-DE" sz="800" dirty="0"/>
+              <a:t>/tag/v5.6.2]</a:t>
+            </a:r>
+          </a:p>
+        </p:txBody>
+      </p:sp>
+    </p:spTree>
+    <p:extLst>
+      <p:ext uri="{BB962C8B-B14F-4D97-AF65-F5344CB8AC3E}">
+        <p14:creationId xmlns:p14="http://schemas.microsoft.com/office/powerpoint/2010/main" val="3837190545"/>
+      </p:ext>
+    </p:extLst>
+  </p:cSld>
+  <p:clrMapOvr>
+    <a:masterClrMapping/>
+  </p:clrMapOvr>
+</p:sld>
+</file>
+
+<file path=ppt/slides/slide24.xml><?xml version="1.0" encoding="utf-8"?>
 <p:sld xmlns:a="http://schemas.openxmlformats.org/drawingml/2006/main" xmlns:r="http://schemas.openxmlformats.org/officeDocument/2006/relationships" xmlns:p="http://schemas.openxmlformats.org/presentationml/2006/main">
   <p:cSld>
     <p:spTree>
@@ -29593,13 +30240,15 @@
             </a:r>
           </a:p>
           <a:p>
-            <a:pPr marL="285750" indent="-285750">
-              <a:buFont typeface="Arial" panose="020B0604020202020204" pitchFamily="34" charset="0"/>
-              <a:buChar char="•"/>
-            </a:pPr>
+            <a:r>
+              <a:rPr lang="de-DE" b="0" dirty="0">
+                <a:sym typeface="Wingdings" pitchFamily="2" charset="2"/>
+              </a:rPr>
+              <a:t> 1. </a:t>
+            </a:r>
             <a:r>
               <a:rPr lang="de-DE" b="0" dirty="0"/>
-              <a:t>Wird zu bash </a:t>
+              <a:t>bash </a:t>
             </a:r>
             <a:r>
               <a:rPr lang="de-DE" b="0" dirty="0" err="1"/>
@@ -29610,7 +30259,7 @@
           <a:p>
             <a:r>
               <a:rPr lang="de-DE" dirty="0" err="1"/>
-              <a:t>Good-large_compressed.lzma</a:t>
+              <a:t>good-large_compressed.lzma</a:t>
             </a:r>
             <a:r>
               <a:rPr lang="de-DE" dirty="0"/>
@@ -29781,10 +30430,178 @@
   <p:clrMapOvr>
     <a:masterClrMapping/>
   </p:clrMapOvr>
+  <p:timing>
+    <p:tnLst>
+      <p:par>
+        <p:cTn id="1" dur="indefinite" restart="never" nodeType="tmRoot">
+          <p:childTnLst>
+            <p:seq concurrent="1" nextAc="seek">
+              <p:cTn id="2" dur="indefinite" nodeType="mainSeq">
+                <p:childTnLst>
+                  <p:par>
+                    <p:cTn id="3" fill="hold">
+                      <p:stCondLst>
+                        <p:cond delay="indefinite"/>
+                      </p:stCondLst>
+                      <p:childTnLst>
+                        <p:par>
+                          <p:cTn id="4" fill="hold">
+                            <p:stCondLst>
+                              <p:cond delay="0"/>
+                            </p:stCondLst>
+                            <p:childTnLst>
+                              <p:par>
+                                <p:cTn id="5" presetID="1" presetClass="entr" presetSubtype="0" fill="hold" nodeType="clickEffect">
+                                  <p:stCondLst>
+                                    <p:cond delay="0"/>
+                                  </p:stCondLst>
+                                  <p:childTnLst>
+                                    <p:set>
+                                      <p:cBhvr>
+                                        <p:cTn id="6" dur="1" fill="hold">
+                                          <p:stCondLst>
+                                            <p:cond delay="0"/>
+                                          </p:stCondLst>
+                                        </p:cTn>
+                                        <p:tgtEl>
+                                          <p:spTgt spid="5">
+                                            <p:txEl>
+                                              <p:pRg st="7" end="7"/>
+                                            </p:txEl>
+                                          </p:spTgt>
+                                        </p:tgtEl>
+                                        <p:attrNameLst>
+                                          <p:attrName>style.visibility</p:attrName>
+                                        </p:attrNameLst>
+                                      </p:cBhvr>
+                                      <p:to>
+                                        <p:strVal val="visible"/>
+                                      </p:to>
+                                    </p:set>
+                                  </p:childTnLst>
+                                </p:cTn>
+                              </p:par>
+                              <p:par>
+                                <p:cTn id="7" presetID="1" presetClass="entr" presetSubtype="0" fill="hold" nodeType="withEffect">
+                                  <p:stCondLst>
+                                    <p:cond delay="0"/>
+                                  </p:stCondLst>
+                                  <p:childTnLst>
+                                    <p:set>
+                                      <p:cBhvr>
+                                        <p:cTn id="8" dur="1" fill="hold">
+                                          <p:stCondLst>
+                                            <p:cond delay="0"/>
+                                          </p:stCondLst>
+                                        </p:cTn>
+                                        <p:tgtEl>
+                                          <p:spTgt spid="5">
+                                            <p:txEl>
+                                              <p:pRg st="8" end="8"/>
+                                            </p:txEl>
+                                          </p:spTgt>
+                                        </p:tgtEl>
+                                        <p:attrNameLst>
+                                          <p:attrName>style.visibility</p:attrName>
+                                        </p:attrNameLst>
+                                      </p:cBhvr>
+                                      <p:to>
+                                        <p:strVal val="visible"/>
+                                      </p:to>
+                                    </p:set>
+                                  </p:childTnLst>
+                                </p:cTn>
+                              </p:par>
+                              <p:par>
+                                <p:cTn id="9" presetID="1" presetClass="entr" presetSubtype="0" fill="hold" nodeType="withEffect">
+                                  <p:stCondLst>
+                                    <p:cond delay="0"/>
+                                  </p:stCondLst>
+                                  <p:childTnLst>
+                                    <p:set>
+                                      <p:cBhvr>
+                                        <p:cTn id="10" dur="1" fill="hold">
+                                          <p:stCondLst>
+                                            <p:cond delay="0"/>
+                                          </p:stCondLst>
+                                        </p:cTn>
+                                        <p:tgtEl>
+                                          <p:spTgt spid="5">
+                                            <p:txEl>
+                                              <p:pRg st="9" end="9"/>
+                                            </p:txEl>
+                                          </p:spTgt>
+                                        </p:tgtEl>
+                                        <p:attrNameLst>
+                                          <p:attrName>style.visibility</p:attrName>
+                                        </p:attrNameLst>
+                                      </p:cBhvr>
+                                      <p:to>
+                                        <p:strVal val="visible"/>
+                                      </p:to>
+                                    </p:set>
+                                  </p:childTnLst>
+                                </p:cTn>
+                              </p:par>
+                              <p:par>
+                                <p:cTn id="11" presetID="1" presetClass="entr" presetSubtype="0" fill="hold" nodeType="withEffect">
+                                  <p:stCondLst>
+                                    <p:cond delay="0"/>
+                                  </p:stCondLst>
+                                  <p:childTnLst>
+                                    <p:set>
+                                      <p:cBhvr>
+                                        <p:cTn id="12" dur="1" fill="hold">
+                                          <p:stCondLst>
+                                            <p:cond delay="0"/>
+                                          </p:stCondLst>
+                                        </p:cTn>
+                                        <p:tgtEl>
+                                          <p:spTgt spid="13"/>
+                                        </p:tgtEl>
+                                        <p:attrNameLst>
+                                          <p:attrName>style.visibility</p:attrName>
+                                        </p:attrNameLst>
+                                      </p:cBhvr>
+                                      <p:to>
+                                        <p:strVal val="visible"/>
+                                      </p:to>
+                                    </p:set>
+                                  </p:childTnLst>
+                                </p:cTn>
+                              </p:par>
+                            </p:childTnLst>
+                          </p:cTn>
+                        </p:par>
+                      </p:childTnLst>
+                    </p:cTn>
+                  </p:par>
+                </p:childTnLst>
+              </p:cTn>
+              <p:prevCondLst>
+                <p:cond evt="onPrev" delay="0">
+                  <p:tgtEl>
+                    <p:sldTgt/>
+                  </p:tgtEl>
+                </p:cond>
+              </p:prevCondLst>
+              <p:nextCondLst>
+                <p:cond evt="onNext" delay="0">
+                  <p:tgtEl>
+                    <p:sldTgt/>
+                  </p:tgtEl>
+                </p:cond>
+              </p:nextCondLst>
+            </p:seq>
+          </p:childTnLst>
+        </p:cTn>
+      </p:par>
+    </p:tnLst>
+  </p:timing>
 </p:sld>
 </file>
 
-<file path=ppt/slides/slide22.xml><?xml version="1.0" encoding="utf-8"?>
+<file path=ppt/slides/slide25.xml><?xml version="1.0" encoding="utf-8"?>
 <p:sld xmlns:a="http://schemas.openxmlformats.org/drawingml/2006/main" xmlns:r="http://schemas.openxmlformats.org/officeDocument/2006/relationships" xmlns:p="http://schemas.openxmlformats.org/presentationml/2006/main">
   <p:cSld>
     <p:spTree>
@@ -29945,7 +30762,7 @@
           <a:p>
             <a:r>
               <a:rPr lang="de-DE" dirty="0" err="1"/>
-              <a:t>Good-large_compressed.lzma</a:t>
+              <a:t>good-large_compressed.lzma</a:t>
             </a:r>
             <a:r>
               <a:rPr lang="de-DE" dirty="0"/>
@@ -30023,13 +30840,7 @@
               <a:rPr lang="de-DE" b="0" dirty="0">
                 <a:sym typeface="Wingdings" pitchFamily="2" charset="2"/>
               </a:rPr>
-              <a:t> + </a:t>
-            </a:r>
-            <a:r>
-              <a:rPr lang="de-DE" b="0" dirty="0" err="1">
-                <a:sym typeface="Wingdings" pitchFamily="2" charset="2"/>
-              </a:rPr>
-              <a:t>binärdaten</a:t>
+              <a:t> + Binärdaten</a:t>
             </a:r>
             <a:endParaRPr lang="de-DE" b="0" dirty="0"/>
           </a:p>
@@ -30283,7 +31094,7 @@
 </p:sld>
 </file>
 
-<file path=ppt/slides/slide23.xml><?xml version="1.0" encoding="utf-8"?>
+<file path=ppt/slides/slide26.xml><?xml version="1.0" encoding="utf-8"?>
 <p:sld xmlns:a="http://schemas.openxmlformats.org/drawingml/2006/main" xmlns:r="http://schemas.openxmlformats.org/officeDocument/2006/relationships" xmlns:p="http://schemas.openxmlformats.org/presentationml/2006/main">
   <p:cSld>
     <p:spTree>
@@ -30369,7 +31180,7 @@
           <a:p>
             <a:r>
               <a:rPr lang="de-DE" dirty="0" err="1"/>
-              <a:t>Good-large_compressed.lzma</a:t>
+              <a:t>good-large_compressed.lzma</a:t>
             </a:r>
             <a:r>
               <a:rPr lang="de-DE" dirty="0"/>
@@ -30451,17 +31262,8 @@
               <a:rPr lang="de-DE" b="0" dirty="0">
                 <a:sym typeface="Wingdings" pitchFamily="2" charset="2"/>
               </a:rPr>
-              <a:t> + </a:t>
-            </a:r>
-            <a:r>
-              <a:rPr lang="de-DE" b="0" dirty="0" err="1">
-                <a:sym typeface="Wingdings" pitchFamily="2" charset="2"/>
-              </a:rPr>
-              <a:t>binärdaten</a:t>
-            </a:r>
-            <a:endParaRPr lang="de-DE" b="0" dirty="0">
-              <a:sym typeface="Wingdings" pitchFamily="2" charset="2"/>
-            </a:endParaRPr>
+              <a:t> + Binärdaten</a:t>
+            </a:r>
           </a:p>
           <a:p>
             <a:pPr marL="285750" indent="-285750">
@@ -30534,640 +31336,6 @@
     <p:extLst>
       <p:ext uri="{BB962C8B-B14F-4D97-AF65-F5344CB8AC3E}">
         <p14:creationId xmlns:p14="http://schemas.microsoft.com/office/powerpoint/2010/main" val="609871"/>
-      </p:ext>
-    </p:extLst>
-  </p:cSld>
-  <p:clrMapOvr>
-    <a:masterClrMapping/>
-  </p:clrMapOvr>
-</p:sld>
-</file>
-
-<file path=ppt/slides/slide24.xml><?xml version="1.0" encoding="utf-8"?>
-<p:sld xmlns:a="http://schemas.openxmlformats.org/drawingml/2006/main" xmlns:r="http://schemas.openxmlformats.org/officeDocument/2006/relationships" xmlns:p="http://schemas.openxmlformats.org/presentationml/2006/main">
-  <p:cSld>
-    <p:spTree>
-      <p:nvGrpSpPr>
-        <p:cNvPr id="1" name=""/>
-        <p:cNvGrpSpPr/>
-        <p:nvPr/>
-      </p:nvGrpSpPr>
-      <p:grpSpPr>
-        <a:xfrm>
-          <a:off x="0" y="0"/>
-          <a:ext cx="0" cy="0"/>
-          <a:chOff x="0" y="0"/>
-          <a:chExt cx="0" cy="0"/>
-        </a:xfrm>
-      </p:grpSpPr>
-      <p:sp>
-        <p:nvSpPr>
-          <p:cNvPr id="2" name="Titel 1">
-            <a:extLst>
-              <a:ext uri="{FF2B5EF4-FFF2-40B4-BE49-F238E27FC236}">
-                <a16:creationId xmlns:a16="http://schemas.microsoft.com/office/drawing/2014/main" id="{C3E64874-0DF3-4FF0-645E-7F1863EE34B7}"/>
-              </a:ext>
-            </a:extLst>
-          </p:cNvPr>
-          <p:cNvSpPr>
-            <a:spLocks noGrp="1"/>
-          </p:cNvSpPr>
-          <p:nvPr>
-            <p:ph type="title"/>
-          </p:nvPr>
-        </p:nvSpPr>
-        <p:spPr/>
-        <p:txBody>
-          <a:bodyPr/>
-          <a:lstStyle/>
-          <a:p>
-            <a:r>
-              <a:rPr lang="de-DE" dirty="0"/>
-              <a:t>Zeitlicher Ablauf</a:t>
-            </a:r>
-          </a:p>
-        </p:txBody>
-      </p:sp>
-      <p:graphicFrame>
-        <p:nvGraphicFramePr>
-          <p:cNvPr id="4" name="Inhaltsplatzhalter 3">
-            <a:extLst>
-              <a:ext uri="{FF2B5EF4-FFF2-40B4-BE49-F238E27FC236}">
-                <a16:creationId xmlns:a16="http://schemas.microsoft.com/office/drawing/2014/main" id="{7BFBA283-F784-67CF-249A-0A6037B09B1C}"/>
-              </a:ext>
-            </a:extLst>
-          </p:cNvPr>
-          <p:cNvGraphicFramePr>
-            <a:graphicFrameLocks noGrp="1"/>
-          </p:cNvGraphicFramePr>
-          <p:nvPr>
-            <p:ph sz="quarter" idx="10"/>
-          </p:nvPr>
-        </p:nvGraphicFramePr>
-        <p:xfrm>
-          <a:off x="874711" y="1484313"/>
-          <a:ext cx="10580688" cy="4344987"/>
-        </p:xfrm>
-        <a:graphic>
-          <a:graphicData uri="http://schemas.openxmlformats.org/drawingml/2006/diagram">
-            <dgm:relIds xmlns:dgm="http://schemas.openxmlformats.org/drawingml/2006/diagram" xmlns:r="http://schemas.openxmlformats.org/officeDocument/2006/relationships" r:dm="rId2" r:lo="rId3" r:qs="rId4" r:cs="rId5"/>
-          </a:graphicData>
-        </a:graphic>
-      </p:graphicFrame>
-    </p:spTree>
-    <p:extLst>
-      <p:ext uri="{BB962C8B-B14F-4D97-AF65-F5344CB8AC3E}">
-        <p14:creationId xmlns:p14="http://schemas.microsoft.com/office/powerpoint/2010/main" val="74062638"/>
-      </p:ext>
-    </p:extLst>
-  </p:cSld>
-  <p:clrMapOvr>
-    <a:masterClrMapping/>
-  </p:clrMapOvr>
-</p:sld>
-</file>
-
-<file path=ppt/slides/slide25.xml><?xml version="1.0" encoding="utf-8"?>
-<p:sld xmlns:a="http://schemas.openxmlformats.org/drawingml/2006/main" xmlns:r="http://schemas.openxmlformats.org/officeDocument/2006/relationships" xmlns:p="http://schemas.openxmlformats.org/presentationml/2006/main">
-  <p:cSld>
-    <p:spTree>
-      <p:nvGrpSpPr>
-        <p:cNvPr id="1" name=""/>
-        <p:cNvGrpSpPr/>
-        <p:nvPr/>
-      </p:nvGrpSpPr>
-      <p:grpSpPr>
-        <a:xfrm>
-          <a:off x="0" y="0"/>
-          <a:ext cx="0" cy="0"/>
-          <a:chOff x="0" y="0"/>
-          <a:chExt cx="0" cy="0"/>
-        </a:xfrm>
-      </p:grpSpPr>
-      <p:sp>
-        <p:nvSpPr>
-          <p:cNvPr id="2" name="Titel 1">
-            <a:extLst>
-              <a:ext uri="{FF2B5EF4-FFF2-40B4-BE49-F238E27FC236}">
-                <a16:creationId xmlns:a16="http://schemas.microsoft.com/office/drawing/2014/main" id="{5CD0A27A-BFF4-B4C0-F604-9D85B42A47D7}"/>
-              </a:ext>
-            </a:extLst>
-          </p:cNvPr>
-          <p:cNvSpPr>
-            <a:spLocks noGrp="1"/>
-          </p:cNvSpPr>
-          <p:nvPr>
-            <p:ph type="title"/>
-          </p:nvPr>
-        </p:nvSpPr>
-        <p:spPr/>
-        <p:txBody>
-          <a:bodyPr/>
-          <a:lstStyle/>
-          <a:p>
-            <a:r>
-              <a:rPr lang="de-DE" dirty="0"/>
-              <a:t>Zusammenfassung</a:t>
-            </a:r>
-          </a:p>
-        </p:txBody>
-      </p:sp>
-      <p:pic>
-        <p:nvPicPr>
-          <p:cNvPr id="7" name="Bildplatzhalter 6" descr="Ein Bild, das Text, Entwurf, Zeichnung, Diagramm enthält.&#10;&#10;Automatisch generierte Beschreibung">
-            <a:extLst>
-              <a:ext uri="{FF2B5EF4-FFF2-40B4-BE49-F238E27FC236}">
-                <a16:creationId xmlns:a16="http://schemas.microsoft.com/office/drawing/2014/main" id="{4FA0C14C-BF98-9A96-C2CB-DB1E5B4F263C}"/>
-              </a:ext>
-            </a:extLst>
-          </p:cNvPr>
-          <p:cNvPicPr>
-            <a:picLocks noGrp="1" noChangeAspect="1"/>
-          </p:cNvPicPr>
-          <p:nvPr>
-            <p:ph type="pic" sz="quarter" idx="13"/>
-          </p:nvPr>
-        </p:nvPicPr>
-        <p:blipFill>
-          <a:blip r:embed="rId2"/>
-          <a:srcRect l="199" r="199"/>
-          <a:stretch>
-            <a:fillRect/>
-          </a:stretch>
-        </p:blipFill>
-        <p:spPr/>
-      </p:pic>
-      <p:sp>
-        <p:nvSpPr>
-          <p:cNvPr id="5" name="Inhaltsplatzhalter 4">
-            <a:extLst>
-              <a:ext uri="{FF2B5EF4-FFF2-40B4-BE49-F238E27FC236}">
-                <a16:creationId xmlns:a16="http://schemas.microsoft.com/office/drawing/2014/main" id="{EF1DEFB8-1281-E056-6B58-CF752E450E1E}"/>
-              </a:ext>
-            </a:extLst>
-          </p:cNvPr>
-          <p:cNvSpPr>
-            <a:spLocks noGrp="1"/>
-          </p:cNvSpPr>
-          <p:nvPr>
-            <p:ph sz="quarter" idx="14"/>
-          </p:nvPr>
-        </p:nvSpPr>
-        <p:spPr/>
-        <p:txBody>
-          <a:bodyPr/>
-          <a:lstStyle/>
-          <a:p>
-            <a:r>
-              <a:rPr lang="de-DE" dirty="0" err="1"/>
-              <a:t>xz</a:t>
-            </a:r>
-            <a:r>
-              <a:rPr lang="de-DE" dirty="0"/>
-              <a:t> </a:t>
-            </a:r>
-            <a:r>
-              <a:rPr lang="de-DE" dirty="0" err="1"/>
-              <a:t>utils</a:t>
-            </a:r>
-            <a:r>
-              <a:rPr lang="de-DE" dirty="0"/>
-              <a:t> enthielt in den Versionen v5.6.0 und v5.6.1 eine Backdoor</a:t>
-            </a:r>
-          </a:p>
-          <a:p>
-            <a:pPr marL="285750" indent="-285750">
-              <a:buFont typeface="Arial" panose="020B0604020202020204" pitchFamily="34" charset="0"/>
-              <a:buChar char="•"/>
-            </a:pPr>
-            <a:r>
-              <a:rPr lang="de-DE" b="0" dirty="0"/>
-              <a:t>Durch </a:t>
-            </a:r>
-            <a:r>
-              <a:rPr lang="de-DE" b="0" dirty="0" err="1"/>
-              <a:t>co-maintainer</a:t>
-            </a:r>
-            <a:r>
-              <a:rPr lang="de-DE" b="0" dirty="0"/>
-              <a:t> Jia Tan eingeschleust</a:t>
-            </a:r>
-          </a:p>
-          <a:p>
-            <a:pPr marL="285750" indent="-285750">
-              <a:buFont typeface="Arial" panose="020B0604020202020204" pitchFamily="34" charset="0"/>
-              <a:buChar char="•"/>
-            </a:pPr>
-            <a:r>
-              <a:rPr lang="de-DE" b="0" dirty="0"/>
-              <a:t>Hochkomplex</a:t>
-            </a:r>
-          </a:p>
-          <a:p>
-            <a:pPr marL="285750" indent="-285750">
-              <a:buFont typeface="Arial" panose="020B0604020202020204" pitchFamily="34" charset="0"/>
-              <a:buChar char="•"/>
-            </a:pPr>
-            <a:r>
-              <a:rPr lang="de-DE" b="0" dirty="0"/>
-              <a:t>Langfristig geplant und ausgeführt</a:t>
-            </a:r>
-          </a:p>
-          <a:p>
-            <a:endParaRPr lang="de-DE" dirty="0"/>
-          </a:p>
-          <a:p>
-            <a:r>
-              <a:rPr lang="de-DE" dirty="0"/>
-              <a:t>Takeaways:</a:t>
-            </a:r>
-          </a:p>
-          <a:p>
-            <a:pPr marL="285750" indent="-285750">
-              <a:buFont typeface="Arial" panose="020B0604020202020204" pitchFamily="34" charset="0"/>
-              <a:buChar char="•"/>
-            </a:pPr>
-            <a:r>
-              <a:rPr lang="de-DE" dirty="0"/>
-              <a:t>Open source Software kann </a:t>
-            </a:r>
-            <a:r>
-              <a:rPr lang="de-DE" dirty="0" err="1"/>
-              <a:t>gehacked</a:t>
-            </a:r>
-            <a:r>
-              <a:rPr lang="de-DE" dirty="0"/>
-              <a:t> werden!</a:t>
-            </a:r>
-          </a:p>
-          <a:p>
-            <a:pPr marL="537750" lvl="2" indent="-285750">
-              <a:buFont typeface="Arial" panose="020B0604020202020204" pitchFamily="34" charset="0"/>
-              <a:buChar char="•"/>
-            </a:pPr>
-            <a:r>
-              <a:rPr lang="de-DE" dirty="0" err="1"/>
-              <a:t>Maintainer</a:t>
-            </a:r>
-            <a:r>
-              <a:rPr lang="de-DE" dirty="0"/>
-              <a:t> betreiben Projekte oft nur als Hobby</a:t>
-            </a:r>
-          </a:p>
-          <a:p>
-            <a:pPr marL="285750" lvl="1" indent="-285750">
-              <a:buFont typeface="Arial" panose="020B0604020202020204" pitchFamily="34" charset="0"/>
-              <a:buChar char="•"/>
-            </a:pPr>
-            <a:r>
-              <a:rPr lang="de-DE" b="1" dirty="0"/>
-              <a:t>Abhängigkeiten von Bibliotheken minimieren</a:t>
-            </a:r>
-          </a:p>
-          <a:p>
-            <a:pPr marL="285750" lvl="1" indent="-285750">
-              <a:buFont typeface="Arial" panose="020B0604020202020204" pitchFamily="34" charset="0"/>
-              <a:buChar char="•"/>
-            </a:pPr>
-            <a:r>
-              <a:rPr lang="de-DE" b="1" dirty="0"/>
-              <a:t>Binärdateien sind intransparent</a:t>
-            </a:r>
-          </a:p>
-          <a:p>
-            <a:endParaRPr lang="de-DE" dirty="0"/>
-          </a:p>
-          <a:p>
-            <a:endParaRPr lang="de-DE" dirty="0"/>
-          </a:p>
-        </p:txBody>
-      </p:sp>
-      <p:sp>
-        <p:nvSpPr>
-          <p:cNvPr id="8" name="Textfeld 7">
-            <a:extLst>
-              <a:ext uri="{FF2B5EF4-FFF2-40B4-BE49-F238E27FC236}">
-                <a16:creationId xmlns:a16="http://schemas.microsoft.com/office/drawing/2014/main" id="{E68F118C-5731-C40D-B32E-7E188A3E1162}"/>
-              </a:ext>
-            </a:extLst>
-          </p:cNvPr>
-          <p:cNvSpPr txBox="1"/>
-          <p:nvPr/>
-        </p:nvSpPr>
-        <p:spPr>
-          <a:xfrm>
-            <a:off x="7156450" y="5913894"/>
-            <a:ext cx="4882099" cy="338554"/>
-          </a:xfrm>
-          <a:prstGeom prst="rect">
-            <a:avLst/>
-          </a:prstGeom>
-          <a:noFill/>
-        </p:spPr>
-        <p:txBody>
-          <a:bodyPr wrap="square" rtlCol="0">
-            <a:spAutoFit/>
-          </a:bodyPr>
-          <a:lstStyle/>
-          <a:p>
-            <a:r>
-              <a:rPr lang="de-DE" sz="800" dirty="0"/>
-              <a:t>[https://</a:t>
-            </a:r>
-            <a:r>
-              <a:rPr lang="de-DE" sz="800" dirty="0" err="1"/>
-              <a:t>www.reddit.com</a:t>
-            </a:r>
-            <a:r>
-              <a:rPr lang="de-DE" sz="800" dirty="0"/>
-              <a:t>/</a:t>
-            </a:r>
-            <a:r>
-              <a:rPr lang="de-DE" sz="800" dirty="0" err="1"/>
-              <a:t>r</a:t>
-            </a:r>
-            <a:r>
-              <a:rPr lang="de-DE" sz="800" dirty="0"/>
-              <a:t>/</a:t>
-            </a:r>
-            <a:r>
-              <a:rPr lang="de-DE" sz="800" dirty="0" err="1"/>
-              <a:t>ProgrammerHumor</a:t>
-            </a:r>
-            <a:r>
-              <a:rPr lang="de-DE" sz="800" dirty="0"/>
-              <a:t>/</a:t>
-            </a:r>
-            <a:r>
-              <a:rPr lang="de-DE" sz="800" dirty="0" err="1"/>
-              <a:t>comments</a:t>
-            </a:r>
-            <a:r>
-              <a:rPr lang="de-DE" sz="800" dirty="0"/>
-              <a:t>/l2jonu/we_should_all_set_aside_2_a_week_to_help_keep/#</a:t>
-            </a:r>
-            <a:r>
-              <a:rPr lang="de-DE" sz="800" dirty="0" err="1"/>
-              <a:t>lightbox</a:t>
-            </a:r>
-            <a:r>
-              <a:rPr lang="de-DE" sz="800" dirty="0"/>
-              <a:t>]</a:t>
-            </a:r>
-          </a:p>
-        </p:txBody>
-      </p:sp>
-    </p:spTree>
-    <p:extLst>
-      <p:ext uri="{BB962C8B-B14F-4D97-AF65-F5344CB8AC3E}">
-        <p14:creationId xmlns:p14="http://schemas.microsoft.com/office/powerpoint/2010/main" val="2288889646"/>
-      </p:ext>
-    </p:extLst>
-  </p:cSld>
-  <p:clrMapOvr>
-    <a:masterClrMapping/>
-  </p:clrMapOvr>
-</p:sld>
-</file>
-
-<file path=ppt/slides/slide26.xml><?xml version="1.0" encoding="utf-8"?>
-<p:sld xmlns:a="http://schemas.openxmlformats.org/drawingml/2006/main" xmlns:r="http://schemas.openxmlformats.org/officeDocument/2006/relationships" xmlns:p="http://schemas.openxmlformats.org/presentationml/2006/main">
-  <p:cSld>
-    <p:spTree>
-      <p:nvGrpSpPr>
-        <p:cNvPr id="1" name=""/>
-        <p:cNvGrpSpPr/>
-        <p:nvPr/>
-      </p:nvGrpSpPr>
-      <p:grpSpPr>
-        <a:xfrm>
-          <a:off x="0" y="0"/>
-          <a:ext cx="0" cy="0"/>
-          <a:chOff x="0" y="0"/>
-          <a:chExt cx="0" cy="0"/>
-        </a:xfrm>
-      </p:grpSpPr>
-      <p:sp>
-        <p:nvSpPr>
-          <p:cNvPr id="2" name="Titel 1">
-            <a:extLst>
-              <a:ext uri="{FF2B5EF4-FFF2-40B4-BE49-F238E27FC236}">
-                <a16:creationId xmlns:a16="http://schemas.microsoft.com/office/drawing/2014/main" id="{F18E4BDC-554F-B1D8-F817-C74B23CCF0F2}"/>
-              </a:ext>
-            </a:extLst>
-          </p:cNvPr>
-          <p:cNvSpPr>
-            <a:spLocks noGrp="1"/>
-          </p:cNvSpPr>
-          <p:nvPr>
-            <p:ph type="title"/>
-          </p:nvPr>
-        </p:nvSpPr>
-        <p:spPr/>
-        <p:txBody>
-          <a:bodyPr/>
-          <a:lstStyle/>
-          <a:p>
-            <a:r>
-              <a:rPr lang="de-DE" dirty="0"/>
-              <a:t>Quellen</a:t>
-            </a:r>
-          </a:p>
-        </p:txBody>
-      </p:sp>
-      <p:sp>
-        <p:nvSpPr>
-          <p:cNvPr id="3" name="Inhaltsplatzhalter 2">
-            <a:extLst>
-              <a:ext uri="{FF2B5EF4-FFF2-40B4-BE49-F238E27FC236}">
-                <a16:creationId xmlns:a16="http://schemas.microsoft.com/office/drawing/2014/main" id="{52449B69-B6D9-A1EA-F14F-E45E0EFD0E49}"/>
-              </a:ext>
-            </a:extLst>
-          </p:cNvPr>
-          <p:cNvSpPr>
-            <a:spLocks noGrp="1"/>
-          </p:cNvSpPr>
-          <p:nvPr>
-            <p:ph sz="quarter" idx="10"/>
-          </p:nvPr>
-        </p:nvSpPr>
-        <p:spPr/>
-        <p:txBody>
-          <a:bodyPr/>
-          <a:lstStyle/>
-          <a:p>
-            <a:r>
-              <a:rPr lang="de-DE" b="0" dirty="0">
-                <a:solidFill>
-                  <a:schemeClr val="tx2"/>
-                </a:solidFill>
-                <a:hlinkClick r:id="rId2"/>
-              </a:rPr>
-              <a:t>https://www.youtube.com/watch?v=Q6ovtLdSbEA</a:t>
-            </a:r>
-            <a:endParaRPr lang="de-DE" b="0" dirty="0">
-              <a:solidFill>
-                <a:schemeClr val="tx2"/>
-              </a:solidFill>
-            </a:endParaRPr>
-          </a:p>
-          <a:p>
-            <a:r>
-              <a:rPr lang="de-DE" b="0" dirty="0">
-                <a:solidFill>
-                  <a:schemeClr val="tx2"/>
-                </a:solidFill>
-                <a:hlinkClick r:id="rId3"/>
-              </a:rPr>
-              <a:t>https://boehs.org/node/everything-i-know-about-the-xz-backdoor</a:t>
-            </a:r>
-            <a:endParaRPr lang="de-DE" b="0" dirty="0">
-              <a:solidFill>
-                <a:schemeClr val="tx2"/>
-              </a:solidFill>
-            </a:endParaRPr>
-          </a:p>
-          <a:p>
-            <a:r>
-              <a:rPr lang="de-DE" b="0" dirty="0">
-                <a:solidFill>
-                  <a:schemeClr val="tx2"/>
-                </a:solidFill>
-                <a:hlinkClick r:id="rId4"/>
-              </a:rPr>
-              <a:t>https://www.openwall.com/lists/oss-security/2024/03/29/4</a:t>
-            </a:r>
-            <a:endParaRPr lang="de-DE" b="0" dirty="0">
-              <a:solidFill>
-                <a:schemeClr val="tx2"/>
-              </a:solidFill>
-            </a:endParaRPr>
-          </a:p>
-          <a:p>
-            <a:r>
-              <a:rPr lang="de-DE" b="0" dirty="0">
-                <a:solidFill>
-                  <a:schemeClr val="tx2"/>
-                </a:solidFill>
-                <a:hlinkClick r:id="rId5"/>
-              </a:rPr>
-              <a:t>https://gynvael.coldwind.pl/?lang=en&amp;id=782</a:t>
-            </a:r>
-            <a:endParaRPr lang="de-DE" b="0" dirty="0">
-              <a:solidFill>
-                <a:schemeClr val="tx2"/>
-              </a:solidFill>
-            </a:endParaRPr>
-          </a:p>
-          <a:p>
-            <a:r>
-              <a:rPr lang="de-DE" b="0" dirty="0">
-                <a:solidFill>
-                  <a:schemeClr val="tx2"/>
-                </a:solidFill>
-                <a:hlinkClick r:id="rId6"/>
-              </a:rPr>
-              <a:t>https://medium.com/@knownsec404team/analysis-of-the-xz-utils-backdoor-code-d2d5316ac43f</a:t>
-            </a:r>
-            <a:endParaRPr lang="de-DE" b="0" dirty="0">
-              <a:solidFill>
-                <a:schemeClr val="tx2"/>
-              </a:solidFill>
-            </a:endParaRPr>
-          </a:p>
-          <a:p>
-            <a:r>
-              <a:rPr lang="de-DE" b="0" dirty="0">
-                <a:solidFill>
-                  <a:schemeClr val="tx2"/>
-                </a:solidFill>
-                <a:hlinkClick r:id="rId7"/>
-              </a:rPr>
-              <a:t>https://github.com/amlweems/xzbot</a:t>
-            </a:r>
-            <a:endParaRPr lang="de-DE" b="0" dirty="0">
-              <a:solidFill>
-                <a:schemeClr val="tx2"/>
-              </a:solidFill>
-            </a:endParaRPr>
-          </a:p>
-          <a:p>
-            <a:r>
-              <a:rPr lang="de-DE" b="0" dirty="0">
-                <a:solidFill>
-                  <a:schemeClr val="tx2"/>
-                </a:solidFill>
-                <a:hlinkClick r:id="rId8"/>
-              </a:rPr>
-              <a:t>https://gist.github.com/smx-smx/a6112d54777845d389bd7126d6e9f504</a:t>
-            </a:r>
-            <a:endParaRPr lang="de-DE" b="0" dirty="0">
-              <a:solidFill>
-                <a:schemeClr val="tx2"/>
-              </a:solidFill>
-            </a:endParaRPr>
-          </a:p>
-          <a:p>
-            <a:r>
-              <a:rPr lang="de-DE" b="0" dirty="0">
-                <a:solidFill>
-                  <a:schemeClr val="tx2"/>
-                </a:solidFill>
-                <a:hlinkClick r:id="rId9"/>
-              </a:rPr>
-              <a:t>https://rya.nc/xz-valid-n.html</a:t>
-            </a:r>
-            <a:endParaRPr lang="de-DE" b="0" dirty="0">
-              <a:solidFill>
-                <a:schemeClr val="tx2"/>
-              </a:solidFill>
-            </a:endParaRPr>
-          </a:p>
-          <a:p>
-            <a:r>
-              <a:rPr lang="de-DE" b="0" dirty="0">
-                <a:solidFill>
-                  <a:schemeClr val="tx2"/>
-                </a:solidFill>
-                <a:hlinkClick r:id="rId10"/>
-              </a:rPr>
-              <a:t>https://github.com/tukaani-project/xz</a:t>
-            </a:r>
-            <a:endParaRPr lang="de-DE" b="0" dirty="0">
-              <a:solidFill>
-                <a:schemeClr val="tx2"/>
-              </a:solidFill>
-            </a:endParaRPr>
-          </a:p>
-          <a:p>
-            <a:r>
-              <a:rPr lang="de-DE" b="0" dirty="0">
-                <a:solidFill>
-                  <a:schemeClr val="tx2"/>
-                </a:solidFill>
-                <a:hlinkClick r:id="rId11"/>
-              </a:rPr>
-              <a:t>https://git.tukaani.org/</a:t>
-            </a:r>
-            <a:endParaRPr lang="de-DE" b="0" dirty="0">
-              <a:solidFill>
-                <a:schemeClr val="tx2"/>
-              </a:solidFill>
-            </a:endParaRPr>
-          </a:p>
-          <a:p>
-            <a:endParaRPr lang="de-DE" b="0" dirty="0">
-              <a:solidFill>
-                <a:schemeClr val="tx2"/>
-              </a:solidFill>
-            </a:endParaRPr>
-          </a:p>
-        </p:txBody>
-      </p:sp>
-    </p:spTree>
-    <p:extLst>
-      <p:ext uri="{BB962C8B-B14F-4D97-AF65-F5344CB8AC3E}">
-        <p14:creationId xmlns:p14="http://schemas.microsoft.com/office/powerpoint/2010/main" val="3748276230"/>
       </p:ext>
     </p:extLst>
   </p:cSld>
@@ -31943,7 +32111,7 @@
             <p:ph sz="quarter" idx="10"/>
             <p:extLst>
               <p:ext uri="{D42A27DB-BD31-4B8C-83A1-F6EECF244321}">
-                <p14:modId xmlns:p14="http://schemas.microsoft.com/office/powerpoint/2010/main" val="561502376"/>
+                <p14:modId xmlns:p14="http://schemas.microsoft.com/office/powerpoint/2010/main" val="582545518"/>
               </p:ext>
             </p:extLst>
           </p:nvPr>
@@ -32162,7 +32330,7 @@
                                         <p:tgtEl>
                                           <p:spTgt spid="4">
                                             <p:graphicEl>
-                                              <a:dgm id="{15AE5202-A3CE-9E4A-AD7E-DBEFE4B59487}"/>
+                                              <a:dgm id="{03FE9F8D-B850-F842-880F-09FA1231549B}"/>
                                             </p:graphicEl>
                                           </p:spTgt>
                                         </p:tgtEl>
@@ -32193,7 +32361,7 @@
                                         <p:tgtEl>
                                           <p:spTgt spid="4">
                                             <p:graphicEl>
-                                              <a:dgm id="{AA242F23-1AF7-B141-AA01-2AFFC3B75720}"/>
+                                              <a:dgm id="{03C8DE5D-364B-A940-919F-A5BD611E0426}"/>
                                             </p:graphicEl>
                                           </p:spTgt>
                                         </p:tgtEl>
@@ -32242,7 +32410,7 @@
                                         <p:tgtEl>
                                           <p:spTgt spid="4">
                                             <p:graphicEl>
-                                              <a:dgm id="{AC80C02D-28BB-F34E-9ED5-5789C199EE58}"/>
+                                              <a:dgm id="{4A3B8B7F-B3E6-034D-8DDD-6573BA370500}"/>
                                             </p:graphicEl>
                                           </p:spTgt>
                                         </p:tgtEl>
@@ -32273,7 +32441,7 @@
                                         <p:tgtEl>
                                           <p:spTgt spid="4">
                                             <p:graphicEl>
-                                              <a:dgm id="{8F7F2D0A-C10A-6E48-81D0-56112306FD30}"/>
+                                              <a:dgm id="{34DE6F53-3287-7A49-9669-CE624570CC23}"/>
                                             </p:graphicEl>
                                           </p:spTgt>
                                         </p:tgtEl>
@@ -32368,33 +32536,15 @@
                                   </p:childTnLst>
                                 </p:cTn>
                               </p:par>
-                            </p:childTnLst>
-                          </p:cTn>
-                        </p:par>
-                      </p:childTnLst>
-                    </p:cTn>
-                  </p:par>
-                  <p:par>
-                    <p:cTn id="31" fill="hold">
-                      <p:stCondLst>
-                        <p:cond delay="indefinite"/>
-                      </p:stCondLst>
-                      <p:childTnLst>
-                        <p:par>
-                          <p:cTn id="32" fill="hold">
-                            <p:stCondLst>
-                              <p:cond delay="0"/>
-                            </p:stCondLst>
-                            <p:childTnLst>
                               <p:par>
-                                <p:cTn id="33" presetID="1" presetClass="entr" presetSubtype="0" fill="hold" grpId="0" nodeType="clickEffect">
+                                <p:cTn id="31" presetID="1" presetClass="entr" presetSubtype="0" fill="hold" grpId="0" nodeType="withEffect">
                                   <p:stCondLst>
                                     <p:cond delay="0"/>
                                   </p:stCondLst>
                                   <p:childTnLst>
                                     <p:set>
                                       <p:cBhvr>
-                                        <p:cTn id="34" dur="1" fill="hold">
+                                        <p:cTn id="32" dur="1" fill="hold">
                                           <p:stCondLst>
                                             <p:cond delay="0"/>
                                           </p:stCondLst>
@@ -32418,14 +32568,14 @@
                                 </p:cTn>
                               </p:par>
                               <p:par>
-                                <p:cTn id="35" presetID="1" presetClass="entr" presetSubtype="0" fill="hold" grpId="0" nodeType="withEffect">
+                                <p:cTn id="33" presetID="1" presetClass="entr" presetSubtype="0" fill="hold" grpId="0" nodeType="withEffect">
                                   <p:stCondLst>
                                     <p:cond delay="0"/>
                                   </p:stCondLst>
                                   <p:childTnLst>
                                     <p:set>
                                       <p:cBhvr>
-                                        <p:cTn id="36" dur="1" fill="hold">
+                                        <p:cTn id="34" dur="1" fill="hold">
                                           <p:stCondLst>
                                             <p:cond delay="0"/>
                                           </p:stCondLst>
@@ -33389,33 +33539,15 @@
                                   </p:childTnLst>
                                 </p:cTn>
                               </p:par>
-                            </p:childTnLst>
-                          </p:cTn>
-                        </p:par>
-                      </p:childTnLst>
-                    </p:cTn>
-                  </p:par>
-                  <p:par>
-                    <p:cTn id="15" fill="hold">
-                      <p:stCondLst>
-                        <p:cond delay="indefinite"/>
-                      </p:stCondLst>
-                      <p:childTnLst>
-                        <p:par>
-                          <p:cTn id="16" fill="hold">
-                            <p:stCondLst>
-                              <p:cond delay="0"/>
-                            </p:stCondLst>
-                            <p:childTnLst>
                               <p:par>
-                                <p:cTn id="17" presetID="1" presetClass="entr" presetSubtype="0" fill="hold" nodeType="clickEffect">
+                                <p:cTn id="15" presetID="1" presetClass="entr" presetSubtype="0" fill="hold" nodeType="withEffect">
                                   <p:stCondLst>
                                     <p:cond delay="0"/>
                                   </p:stCondLst>
                                   <p:childTnLst>
                                     <p:set>
                                       <p:cBhvr>
-                                        <p:cTn id="18" dur="1" fill="hold">
+                                        <p:cTn id="16" dur="1" fill="hold">
                                           <p:stCondLst>
                                             <p:cond delay="0"/>
                                           </p:stCondLst>
